--- a/docs/Отчет по НИР December.pptx
+++ b/docs/Отчет по НИР December.pptx
@@ -12,7 +12,10 @@
     <p:sldId id="268" r:id="rId6"/>
     <p:sldId id="269" r:id="rId7"/>
     <p:sldId id="261" r:id="rId8"/>
-    <p:sldId id="266" r:id="rId9"/>
+    <p:sldId id="270" r:id="rId9"/>
+    <p:sldId id="271" r:id="rId10"/>
+    <p:sldId id="272" r:id="rId11"/>
+    <p:sldId id="266" r:id="rId12"/>
   </p:sldIdLst>
   <p:sldSz cx="12192000" cy="6858000"/>
   <p:notesSz cx="6858000" cy="9144000"/>
@@ -599,7 +602,7 @@
           <a:p>
             <a:fld id="{DF34ED0C-7784-4944-8E97-E2464C1A9B6A}" type="datetimeFigureOut">
               <a:rPr lang="ru-RU" smtClean="0"/>
-              <a:t>11.12.2022</a:t>
+              <a:t>13.12.2022</a:t>
             </a:fld>
             <a:endParaRPr lang="ru-RU"/>
           </a:p>
@@ -797,7 +800,7 @@
           <a:p>
             <a:fld id="{DF34ED0C-7784-4944-8E97-E2464C1A9B6A}" type="datetimeFigureOut">
               <a:rPr lang="ru-RU" smtClean="0"/>
-              <a:t>11.12.2022</a:t>
+              <a:t>13.12.2022</a:t>
             </a:fld>
             <a:endParaRPr lang="ru-RU"/>
           </a:p>
@@ -1005,7 +1008,7 @@
           <a:p>
             <a:fld id="{DF34ED0C-7784-4944-8E97-E2464C1A9B6A}" type="datetimeFigureOut">
               <a:rPr lang="ru-RU" smtClean="0"/>
-              <a:t>11.12.2022</a:t>
+              <a:t>13.12.2022</a:t>
             </a:fld>
             <a:endParaRPr lang="ru-RU"/>
           </a:p>
@@ -1203,7 +1206,7 @@
           <a:p>
             <a:fld id="{DF34ED0C-7784-4944-8E97-E2464C1A9B6A}" type="datetimeFigureOut">
               <a:rPr lang="ru-RU" smtClean="0"/>
-              <a:t>11.12.2022</a:t>
+              <a:t>13.12.2022</a:t>
             </a:fld>
             <a:endParaRPr lang="ru-RU"/>
           </a:p>
@@ -1478,7 +1481,7 @@
           <a:p>
             <a:fld id="{DF34ED0C-7784-4944-8E97-E2464C1A9B6A}" type="datetimeFigureOut">
               <a:rPr lang="ru-RU" smtClean="0"/>
-              <a:t>11.12.2022</a:t>
+              <a:t>13.12.2022</a:t>
             </a:fld>
             <a:endParaRPr lang="ru-RU"/>
           </a:p>
@@ -1743,7 +1746,7 @@
           <a:p>
             <a:fld id="{DF34ED0C-7784-4944-8E97-E2464C1A9B6A}" type="datetimeFigureOut">
               <a:rPr lang="ru-RU" smtClean="0"/>
-              <a:t>11.12.2022</a:t>
+              <a:t>13.12.2022</a:t>
             </a:fld>
             <a:endParaRPr lang="ru-RU"/>
           </a:p>
@@ -2155,7 +2158,7 @@
           <a:p>
             <a:fld id="{DF34ED0C-7784-4944-8E97-E2464C1A9B6A}" type="datetimeFigureOut">
               <a:rPr lang="ru-RU" smtClean="0"/>
-              <a:t>11.12.2022</a:t>
+              <a:t>13.12.2022</a:t>
             </a:fld>
             <a:endParaRPr lang="ru-RU"/>
           </a:p>
@@ -2296,7 +2299,7 @@
           <a:p>
             <a:fld id="{DF34ED0C-7784-4944-8E97-E2464C1A9B6A}" type="datetimeFigureOut">
               <a:rPr lang="ru-RU" smtClean="0"/>
-              <a:t>11.12.2022</a:t>
+              <a:t>13.12.2022</a:t>
             </a:fld>
             <a:endParaRPr lang="ru-RU"/>
           </a:p>
@@ -2409,7 +2412,7 @@
           <a:p>
             <a:fld id="{DF34ED0C-7784-4944-8E97-E2464C1A9B6A}" type="datetimeFigureOut">
               <a:rPr lang="ru-RU" smtClean="0"/>
-              <a:t>11.12.2022</a:t>
+              <a:t>13.12.2022</a:t>
             </a:fld>
             <a:endParaRPr lang="ru-RU"/>
           </a:p>
@@ -2720,7 +2723,7 @@
           <a:p>
             <a:fld id="{DF34ED0C-7784-4944-8E97-E2464C1A9B6A}" type="datetimeFigureOut">
               <a:rPr lang="ru-RU" smtClean="0"/>
-              <a:t>11.12.2022</a:t>
+              <a:t>13.12.2022</a:t>
             </a:fld>
             <a:endParaRPr lang="ru-RU"/>
           </a:p>
@@ -3008,7 +3011,7 @@
           <a:p>
             <a:fld id="{DF34ED0C-7784-4944-8E97-E2464C1A9B6A}" type="datetimeFigureOut">
               <a:rPr lang="ru-RU" smtClean="0"/>
-              <a:t>11.12.2022</a:t>
+              <a:t>13.12.2022</a:t>
             </a:fld>
             <a:endParaRPr lang="ru-RU"/>
           </a:p>
@@ -3249,7 +3252,7 @@
           <a:p>
             <a:fld id="{DF34ED0C-7784-4944-8E97-E2464C1A9B6A}" type="datetimeFigureOut">
               <a:rPr lang="ru-RU" smtClean="0"/>
-              <a:t>11.12.2022</a:t>
+              <a:t>13.12.2022</a:t>
             </a:fld>
             <a:endParaRPr lang="ru-RU"/>
           </a:p>
@@ -3770,6 +3773,317 @@
 </p:sld>
 </file>
 
+<file path=ppt/slides/slide10.xml><?xml version="1.0" encoding="utf-8"?>
+<p:sld xmlns:a="http://schemas.openxmlformats.org/drawingml/2006/main" xmlns:r="http://schemas.openxmlformats.org/officeDocument/2006/relationships" xmlns:p="http://schemas.openxmlformats.org/presentationml/2006/main">
+  <p:cSld>
+    <p:spTree>
+      <p:nvGrpSpPr>
+        <p:cNvPr id="1" name=""/>
+        <p:cNvGrpSpPr/>
+        <p:nvPr/>
+      </p:nvGrpSpPr>
+      <p:grpSpPr>
+        <a:xfrm>
+          <a:off x="0" y="0"/>
+          <a:ext cx="0" cy="0"/>
+          <a:chOff x="0" y="0"/>
+          <a:chExt cx="0" cy="0"/>
+        </a:xfrm>
+      </p:grpSpPr>
+      <p:sp>
+        <p:nvSpPr>
+          <p:cNvPr id="2" name="Заголовок 1">
+            <a:extLst>
+              <a:ext uri="{FF2B5EF4-FFF2-40B4-BE49-F238E27FC236}">
+                <a16:creationId xmlns:a16="http://schemas.microsoft.com/office/drawing/2014/main" id="{DC296086-1E9C-CC9C-B510-079ADADE4BCE}"/>
+              </a:ext>
+            </a:extLst>
+          </p:cNvPr>
+          <p:cNvSpPr>
+            <a:spLocks noGrp="1"/>
+          </p:cNvSpPr>
+          <p:nvPr>
+            <p:ph type="title"/>
+          </p:nvPr>
+        </p:nvSpPr>
+        <p:spPr/>
+        <p:txBody>
+          <a:bodyPr/>
+          <a:lstStyle/>
+          <a:p>
+            <a:endParaRPr lang="ru-RU"/>
+          </a:p>
+        </p:txBody>
+      </p:sp>
+      <p:sp>
+        <p:nvSpPr>
+          <p:cNvPr id="3" name="Объект 2">
+            <a:extLst>
+              <a:ext uri="{FF2B5EF4-FFF2-40B4-BE49-F238E27FC236}">
+                <a16:creationId xmlns:a16="http://schemas.microsoft.com/office/drawing/2014/main" id="{237B571A-F0A7-D759-D128-C3CDD2A08965}"/>
+              </a:ext>
+            </a:extLst>
+          </p:cNvPr>
+          <p:cNvSpPr>
+            <a:spLocks noGrp="1"/>
+          </p:cNvSpPr>
+          <p:nvPr>
+            <p:ph idx="1"/>
+          </p:nvPr>
+        </p:nvSpPr>
+        <p:spPr/>
+        <p:txBody>
+          <a:bodyPr/>
+          <a:lstStyle/>
+          <a:p>
+            <a:endParaRPr lang="ru-RU"/>
+          </a:p>
+        </p:txBody>
+      </p:sp>
+      <p:pic>
+        <p:nvPicPr>
+          <p:cNvPr id="7" name="Рисунок 6">
+            <a:extLst>
+              <a:ext uri="{FF2B5EF4-FFF2-40B4-BE49-F238E27FC236}">
+                <a16:creationId xmlns:a16="http://schemas.microsoft.com/office/drawing/2014/main" id="{41B70B68-2C29-3B81-295E-C63B72E59067}"/>
+              </a:ext>
+            </a:extLst>
+          </p:cNvPr>
+          <p:cNvPicPr>
+            <a:picLocks noChangeAspect="1"/>
+          </p:cNvPicPr>
+          <p:nvPr/>
+        </p:nvPicPr>
+        <p:blipFill>
+          <a:blip r:embed="rId2"/>
+          <a:stretch>
+            <a:fillRect/>
+          </a:stretch>
+        </p:blipFill>
+        <p:spPr>
+          <a:xfrm>
+            <a:off x="64098" y="0"/>
+            <a:ext cx="12063803" cy="6858000"/>
+          </a:xfrm>
+          <a:prstGeom prst="rect">
+            <a:avLst/>
+          </a:prstGeom>
+        </p:spPr>
+      </p:pic>
+    </p:spTree>
+    <p:extLst>
+      <p:ext uri="{BB962C8B-B14F-4D97-AF65-F5344CB8AC3E}">
+        <p14:creationId xmlns:p14="http://schemas.microsoft.com/office/powerpoint/2010/main" val="1445426009"/>
+      </p:ext>
+    </p:extLst>
+  </p:cSld>
+  <p:clrMapOvr>
+    <a:masterClrMapping/>
+  </p:clrMapOvr>
+</p:sld>
+</file>
+
+<file path=ppt/slides/slide11.xml><?xml version="1.0" encoding="utf-8"?>
+<p:sld xmlns:a="http://schemas.openxmlformats.org/drawingml/2006/main" xmlns:r="http://schemas.openxmlformats.org/officeDocument/2006/relationships" xmlns:p="http://schemas.openxmlformats.org/presentationml/2006/main">
+  <p:cSld>
+    <p:spTree>
+      <p:nvGrpSpPr>
+        <p:cNvPr id="1" name=""/>
+        <p:cNvGrpSpPr/>
+        <p:nvPr/>
+      </p:nvGrpSpPr>
+      <p:grpSpPr>
+        <a:xfrm>
+          <a:off x="0" y="0"/>
+          <a:ext cx="0" cy="0"/>
+          <a:chOff x="0" y="0"/>
+          <a:chExt cx="0" cy="0"/>
+        </a:xfrm>
+      </p:grpSpPr>
+      <p:sp>
+        <p:nvSpPr>
+          <p:cNvPr id="2" name="Заголовок 1">
+            <a:extLst>
+              <a:ext uri="{FF2B5EF4-FFF2-40B4-BE49-F238E27FC236}">
+                <a16:creationId xmlns:a16="http://schemas.microsoft.com/office/drawing/2014/main" id="{AD70C028-4438-4989-A8BE-1B59DAEB2437}"/>
+              </a:ext>
+            </a:extLst>
+          </p:cNvPr>
+          <p:cNvSpPr>
+            <a:spLocks noGrp="1"/>
+          </p:cNvSpPr>
+          <p:nvPr>
+            <p:ph type="title"/>
+          </p:nvPr>
+        </p:nvSpPr>
+        <p:spPr/>
+        <p:txBody>
+          <a:bodyPr/>
+          <a:lstStyle/>
+          <a:p>
+            <a:r>
+              <a:rPr lang="ru-RU" dirty="0"/>
+              <a:t>Вывод</a:t>
+            </a:r>
+          </a:p>
+        </p:txBody>
+      </p:sp>
+      <p:sp>
+        <p:nvSpPr>
+          <p:cNvPr id="3" name="Объект 2">
+            <a:extLst>
+              <a:ext uri="{FF2B5EF4-FFF2-40B4-BE49-F238E27FC236}">
+                <a16:creationId xmlns:a16="http://schemas.microsoft.com/office/drawing/2014/main" id="{B71878A4-9363-B542-1AB1-5DA1A82B6BE9}"/>
+              </a:ext>
+            </a:extLst>
+          </p:cNvPr>
+          <p:cNvSpPr>
+            <a:spLocks noGrp="1"/>
+          </p:cNvSpPr>
+          <p:nvPr>
+            <p:ph idx="1"/>
+          </p:nvPr>
+        </p:nvSpPr>
+        <p:spPr>
+          <a:xfrm>
+            <a:off x="838200" y="1547066"/>
+            <a:ext cx="10515600" cy="4351338"/>
+          </a:xfrm>
+        </p:spPr>
+        <p:txBody>
+          <a:bodyPr>
+            <a:normAutofit/>
+          </a:bodyPr>
+          <a:lstStyle/>
+          <a:p>
+            <a:pPr marL="0" indent="0">
+              <a:buNone/>
+            </a:pPr>
+            <a:r>
+              <a:rPr lang="ru-RU" sz="2400" dirty="0"/>
+              <a:t>В ходе экспериментов я смог добиться предсказания 8</a:t>
+            </a:r>
+            <a:r>
+              <a:rPr lang="en-US" sz="2400" dirty="0"/>
+              <a:t> </a:t>
+            </a:r>
+            <a:r>
+              <a:rPr lang="ru-RU" sz="2400" dirty="0"/>
+              <a:t>из 13 параметров из истории заболевания с помощью нейросетей с долей объяснённой дисперсией больше 0.5. В частности модели, построенные из</a:t>
+            </a:r>
+            <a:r>
+              <a:rPr lang="en-US" sz="2400" dirty="0"/>
+              <a:t> LSTM </a:t>
+            </a:r>
+            <a:r>
+              <a:rPr lang="ru-RU" sz="2400" dirty="0"/>
+              <a:t>и </a:t>
+            </a:r>
+            <a:r>
+              <a:rPr lang="en-US" sz="2400" dirty="0"/>
+              <a:t>GRU</a:t>
+            </a:r>
+            <a:r>
+              <a:rPr lang="ru-RU" sz="2400" dirty="0"/>
+              <a:t> и их комбинаций показали лучшие результаты. Обучение на </a:t>
+            </a:r>
+            <a:r>
+              <a:rPr lang="ru-RU" sz="2400" dirty="0" err="1"/>
+              <a:t>батчах</a:t>
+            </a:r>
+            <a:r>
+              <a:rPr lang="ru-RU" sz="2400" dirty="0"/>
+              <a:t> по 4 </a:t>
+            </a:r>
+            <a:r>
+              <a:rPr lang="ru-RU" sz="2400" dirty="0" err="1"/>
+              <a:t>сэмпла</a:t>
+            </a:r>
+            <a:r>
+              <a:rPr lang="ru-RU" sz="2400" dirty="0"/>
+              <a:t> также помогло улучшить результат.</a:t>
+            </a:r>
+          </a:p>
+          <a:p>
+            <a:pPr marL="0" indent="0">
+              <a:buNone/>
+            </a:pPr>
+            <a:r>
+              <a:rPr lang="ru-RU" sz="2400" dirty="0"/>
+              <a:t>Относительно данных можно сделать вывод, что разбиение последовательностей на окна по 3 дает лучший результат регрессии. Дополнительное применение статичных данных помогло улучшить результат только для предсказания с окном 2, но не позволило получить максимально возможный результат. </a:t>
+            </a:r>
+          </a:p>
+          <a:p>
+            <a:pPr marL="0" indent="0">
+              <a:buNone/>
+            </a:pPr>
+            <a:r>
+              <a:rPr lang="en-US" sz="2400" dirty="0"/>
+              <a:t>Git: </a:t>
+            </a:r>
+            <a:r>
+              <a:rPr lang="en-US" sz="2400" i="1" u="sng" dirty="0">
+                <a:solidFill>
+                  <a:schemeClr val="accent1">
+                    <a:lumMod val="75000"/>
+                  </a:schemeClr>
+                </a:solidFill>
+              </a:rPr>
+              <a:t>github.com/</a:t>
+            </a:r>
+            <a:r>
+              <a:rPr lang="en-US" sz="2400" i="1" u="sng" dirty="0" err="1">
+                <a:solidFill>
+                  <a:schemeClr val="accent1">
+                    <a:lumMod val="75000"/>
+                  </a:schemeClr>
+                </a:solidFill>
+              </a:rPr>
+              <a:t>geniusserg</a:t>
+            </a:r>
+            <a:r>
+              <a:rPr lang="en-US" sz="2400" i="1" u="sng" dirty="0">
+                <a:solidFill>
+                  <a:schemeClr val="accent1">
+                    <a:lumMod val="75000"/>
+                  </a:schemeClr>
+                </a:solidFill>
+              </a:rPr>
+              <a:t>/</a:t>
+            </a:r>
+            <a:r>
+              <a:rPr lang="en-US" sz="2400" i="1" u="sng" dirty="0" err="1">
+                <a:solidFill>
+                  <a:schemeClr val="accent1">
+                    <a:lumMod val="75000"/>
+                  </a:schemeClr>
+                </a:solidFill>
+              </a:rPr>
+              <a:t>CovidPredict</a:t>
+            </a:r>
+            <a:endParaRPr lang="ru-RU" sz="2400" i="1" u="sng" dirty="0">
+              <a:solidFill>
+                <a:schemeClr val="accent1">
+                  <a:lumMod val="75000"/>
+                </a:schemeClr>
+              </a:solidFill>
+            </a:endParaRPr>
+          </a:p>
+        </p:txBody>
+      </p:sp>
+    </p:spTree>
+    <p:extLst>
+      <p:ext uri="{BB962C8B-B14F-4D97-AF65-F5344CB8AC3E}">
+        <p14:creationId xmlns:p14="http://schemas.microsoft.com/office/powerpoint/2010/main" val="2263242981"/>
+      </p:ext>
+    </p:extLst>
+  </p:cSld>
+  <p:clrMapOvr>
+    <a:masterClrMapping/>
+  </p:clrMapOvr>
+</p:sld>
+</file>
+
 <file path=ppt/slides/slide2.xml><?xml version="1.0" encoding="utf-8"?>
 <p:sld xmlns:a="http://schemas.openxmlformats.org/drawingml/2006/main" xmlns:r="http://schemas.openxmlformats.org/officeDocument/2006/relationships" xmlns:p="http://schemas.openxmlformats.org/presentationml/2006/main">
   <p:cSld>
@@ -5345,9 +5659,16 @@
             <p:ph idx="1"/>
           </p:nvPr>
         </p:nvSpPr>
-        <p:spPr/>
-        <p:txBody>
-          <a:bodyPr/>
+        <p:spPr>
+          <a:xfrm>
+            <a:off x="838200" y="1510579"/>
+            <a:ext cx="10515600" cy="5151478"/>
+          </a:xfrm>
+        </p:spPr>
+        <p:txBody>
+          <a:bodyPr>
+            <a:normAutofit fontScale="92500" lnSpcReduction="10000"/>
+          </a:bodyPr>
           <a:lstStyle/>
           <a:p>
             <a:r>
@@ -5374,6 +5695,22 @@
               <a:rPr lang="ru-RU" dirty="0"/>
               <a:t>не подходит. Перешел к задаче регрессии.</a:t>
             </a:r>
+            <a:r>
+              <a:rPr lang="en-US" dirty="0"/>
+              <a:t> </a:t>
+            </a:r>
+            <a:r>
+              <a:rPr lang="ru-RU" dirty="0"/>
+              <a:t>Таймаут для подбора </a:t>
+            </a:r>
+            <a:r>
+              <a:rPr lang="ru-RU" dirty="0" err="1"/>
+              <a:t>пайплайна</a:t>
+            </a:r>
+            <a:r>
+              <a:rPr lang="ru-RU" dirty="0"/>
+              <a:t> я использовал 20 минут. </a:t>
+            </a:r>
           </a:p>
           <a:p>
             <a:r>
@@ -5384,22 +5721,46 @@
           <a:p>
             <a:r>
               <a:rPr lang="ru-RU" dirty="0"/>
-              <a:t>Я также разделяю данные на окна, но в данном случае склеиваю значения в один вектор, так как фреймворк не поддерживает матричные входные данные</a:t>
+              <a:t>Я также разделяю данные на окна размером от одного до 4, но в данном случае склеиваю значения в один вектор, так как фреймворк не поддерживает матричные входные данные</a:t>
+            </a:r>
+          </a:p>
+          <a:p>
+            <a:r>
+              <a:rPr lang="ru-RU" dirty="0"/>
+              <a:t>Я не делал дополнительную предобработку, так как фреймворк сам подбирает необходимые алгоритмы отчистки и нормировки данных</a:t>
+            </a:r>
+          </a:p>
+          <a:p>
+            <a:r>
+              <a:rPr lang="ru-RU" dirty="0"/>
+              <a:t>У готовых моделей я считал </a:t>
+            </a:r>
+            <a:r>
+              <a:rPr lang="en-US" dirty="0"/>
+              <a:t>MSE </a:t>
+            </a:r>
+            <a:r>
+              <a:rPr lang="ru-RU" dirty="0"/>
+              <a:t>и </a:t>
+            </a:r>
+            <a:r>
+              <a:rPr lang="en-US" dirty="0"/>
+              <a:t>R2 </a:t>
+            </a:r>
+            <a:r>
+              <a:rPr lang="ru-RU" dirty="0"/>
+              <a:t>метрики на тестовой части </a:t>
+            </a:r>
+            <a:r>
+              <a:rPr lang="ru-RU" dirty="0" err="1"/>
+              <a:t>датасета</a:t>
             </a:r>
             <a:endParaRPr lang="en-US" dirty="0"/>
           </a:p>
           <a:p>
-            <a:r>
-              <a:rPr lang="ru-RU" dirty="0"/>
-              <a:t>Большинство параметров предсказывалось с помощью </a:t>
-            </a:r>
-            <a:r>
-              <a:rPr lang="en-US" dirty="0"/>
-              <a:t>Random Forest Regression</a:t>
-            </a:r>
-            <a:endParaRPr lang="ru-RU" dirty="0"/>
-          </a:p>
-          <a:p>
+            <a:pPr marL="0" indent="0">
+              <a:buNone/>
+            </a:pPr>
             <a:endParaRPr lang="ru-RU" dirty="0"/>
           </a:p>
           <a:p>
@@ -5445,7 +5806,7 @@
           <p:cNvPr id="2" name="Заголовок 1">
             <a:extLst>
               <a:ext uri="{FF2B5EF4-FFF2-40B4-BE49-F238E27FC236}">
-                <a16:creationId xmlns:a16="http://schemas.microsoft.com/office/drawing/2014/main" id="{AD70C028-4438-4989-A8BE-1B59DAEB2437}"/>
+                <a16:creationId xmlns:a16="http://schemas.microsoft.com/office/drawing/2014/main" id="{35D37771-C733-CA38-18C5-F44DFA78614B}"/>
               </a:ext>
             </a:extLst>
           </p:cNvPr>
@@ -5456,165 +5817,1056 @@
             <p:ph type="title"/>
           </p:nvPr>
         </p:nvSpPr>
-        <p:spPr/>
+        <p:spPr>
+          <a:solidFill>
+            <a:srgbClr val="808080">
+              <a:alpha val="32941"/>
+            </a:srgbClr>
+          </a:solidFill>
+        </p:spPr>
         <p:txBody>
           <a:bodyPr/>
           <a:lstStyle/>
           <a:p>
-            <a:r>
-              <a:rPr lang="ru-RU" dirty="0"/>
-              <a:t>Вывод</a:t>
-            </a:r>
-          </a:p>
-        </p:txBody>
-      </p:sp>
-      <p:sp>
-        <p:nvSpPr>
-          <p:cNvPr id="3" name="Объект 2">
-            <a:extLst>
-              <a:ext uri="{FF2B5EF4-FFF2-40B4-BE49-F238E27FC236}">
-                <a16:creationId xmlns:a16="http://schemas.microsoft.com/office/drawing/2014/main" id="{B71878A4-9363-B542-1AB1-5DA1A82B6BE9}"/>
-              </a:ext>
-            </a:extLst>
-          </p:cNvPr>
-          <p:cNvSpPr>
-            <a:spLocks noGrp="1"/>
-          </p:cNvSpPr>
+            <a:endParaRPr lang="ru-RU" dirty="0"/>
+          </a:p>
+        </p:txBody>
+      </p:sp>
+      <p:pic>
+        <p:nvPicPr>
+          <p:cNvPr id="7" name="Объект 6">
+            <a:extLst>
+              <a:ext uri="{FF2B5EF4-FFF2-40B4-BE49-F238E27FC236}">
+                <a16:creationId xmlns:a16="http://schemas.microsoft.com/office/drawing/2014/main" id="{0253A7C9-CB45-2EBD-2C22-415D2610DA2B}"/>
+              </a:ext>
+            </a:extLst>
+          </p:cNvPr>
+          <p:cNvPicPr>
+            <a:picLocks noGrp="1" noChangeAspect="1"/>
+          </p:cNvPicPr>
           <p:nvPr>
             <p:ph idx="1"/>
           </p:nvPr>
-        </p:nvSpPr>
+        </p:nvPicPr>
+        <p:blipFill>
+          <a:blip r:embed="rId2"/>
+          <a:stretch>
+            <a:fillRect/>
+          </a:stretch>
+        </p:blipFill>
         <p:spPr>
           <a:xfrm>
-            <a:off x="838200" y="1547066"/>
-            <a:ext cx="10515600" cy="4351338"/>
+            <a:off x="7031442" y="0"/>
+            <a:ext cx="4955651" cy="6833725"/>
           </a:xfrm>
         </p:spPr>
-        <p:txBody>
-          <a:bodyPr>
-            <a:normAutofit/>
-          </a:bodyPr>
-          <a:lstStyle/>
-          <a:p>
-            <a:pPr marL="0" indent="0">
-              <a:buNone/>
-            </a:pPr>
-            <a:r>
-              <a:rPr lang="ru-RU" sz="2400" dirty="0"/>
-              <a:t>В ходе экспериментов я смог добиться предсказания 8</a:t>
-            </a:r>
-            <a:r>
-              <a:rPr lang="en-US" sz="2400" dirty="0"/>
-              <a:t> </a:t>
-            </a:r>
-            <a:r>
-              <a:rPr lang="ru-RU" sz="2400" dirty="0"/>
-              <a:t>из 13 параметров из истории заболевания с помощью нейросетей с долей объяснённой дисперсией больше 0.5. В частности модели, построенные из</a:t>
-            </a:r>
-            <a:r>
-              <a:rPr lang="en-US" sz="2400" dirty="0"/>
-              <a:t> LSTM </a:t>
-            </a:r>
-            <a:r>
-              <a:rPr lang="ru-RU" sz="2400" dirty="0"/>
-              <a:t>и </a:t>
-            </a:r>
-            <a:r>
-              <a:rPr lang="en-US" sz="2400" dirty="0"/>
-              <a:t>GRU</a:t>
-            </a:r>
-            <a:r>
-              <a:rPr lang="ru-RU" sz="2400" dirty="0"/>
-              <a:t> и их комбинаций показали лучшие результаты. Обучение на </a:t>
-            </a:r>
-            <a:r>
-              <a:rPr lang="ru-RU" sz="2400" dirty="0" err="1"/>
-              <a:t>батчах</a:t>
-            </a:r>
-            <a:r>
-              <a:rPr lang="ru-RU" sz="2400" dirty="0"/>
-              <a:t> по 4 </a:t>
-            </a:r>
-            <a:r>
-              <a:rPr lang="ru-RU" sz="2400" dirty="0" err="1"/>
-              <a:t>сэмпла</a:t>
-            </a:r>
-            <a:r>
-              <a:rPr lang="ru-RU" sz="2400" dirty="0"/>
-              <a:t> также помогло улучшить результат.</a:t>
-            </a:r>
-          </a:p>
-          <a:p>
-            <a:pPr marL="0" indent="0">
-              <a:buNone/>
-            </a:pPr>
-            <a:r>
-              <a:rPr lang="ru-RU" sz="2400" dirty="0"/>
-              <a:t>Относительно данных можно сделать вывод, что разбиение последовательностей на окна по 3 дает лучший результат регрессии. Дополнительное применение статичных данных помогло улучшить результат только для предсказания с окном 2, но не позволило получить максимально возможный результат. </a:t>
-            </a:r>
-          </a:p>
-          <a:p>
-            <a:pPr marL="0" indent="0">
-              <a:buNone/>
-            </a:pPr>
-            <a:r>
-              <a:rPr lang="en-US" sz="2400" dirty="0"/>
-              <a:t>Git: </a:t>
-            </a:r>
-            <a:r>
-              <a:rPr lang="en-US" sz="2400" i="1" u="sng" dirty="0">
-                <a:solidFill>
-                  <a:schemeClr val="accent1">
-                    <a:lumMod val="75000"/>
-                  </a:schemeClr>
-                </a:solidFill>
-              </a:rPr>
-              <a:t>github.com/</a:t>
-            </a:r>
-            <a:r>
-              <a:rPr lang="en-US" sz="2400" i="1" u="sng" dirty="0" err="1">
-                <a:solidFill>
-                  <a:schemeClr val="accent1">
-                    <a:lumMod val="75000"/>
-                  </a:schemeClr>
-                </a:solidFill>
-              </a:rPr>
-              <a:t>geniusserg</a:t>
-            </a:r>
-            <a:r>
-              <a:rPr lang="en-US" sz="2400" i="1" u="sng" dirty="0">
-                <a:solidFill>
-                  <a:schemeClr val="accent1">
-                    <a:lumMod val="75000"/>
-                  </a:schemeClr>
-                </a:solidFill>
-              </a:rPr>
-              <a:t>/</a:t>
-            </a:r>
-            <a:r>
-              <a:rPr lang="en-US" sz="2400" i="1" u="sng" dirty="0" err="1">
-                <a:solidFill>
-                  <a:schemeClr val="accent1">
-                    <a:lumMod val="75000"/>
-                  </a:schemeClr>
-                </a:solidFill>
-              </a:rPr>
-              <a:t>CovidPredict</a:t>
-            </a:r>
-            <a:endParaRPr lang="ru-RU" sz="2400" i="1" u="sng" dirty="0">
-              <a:solidFill>
-                <a:schemeClr val="accent1">
-                  <a:lumMod val="75000"/>
-                </a:schemeClr>
-              </a:solidFill>
-            </a:endParaRPr>
+      </p:pic>
+      <p:pic>
+        <p:nvPicPr>
+          <p:cNvPr id="5" name="Рисунок 4">
+            <a:extLst>
+              <a:ext uri="{FF2B5EF4-FFF2-40B4-BE49-F238E27FC236}">
+                <a16:creationId xmlns:a16="http://schemas.microsoft.com/office/drawing/2014/main" id="{0447523F-B1C8-AF88-1997-B714F803C313}"/>
+              </a:ext>
+            </a:extLst>
+          </p:cNvPr>
+          <p:cNvPicPr>
+            <a:picLocks noChangeAspect="1"/>
+          </p:cNvPicPr>
+          <p:nvPr/>
+        </p:nvPicPr>
+        <p:blipFill>
+          <a:blip r:embed="rId3"/>
+          <a:stretch>
+            <a:fillRect/>
+          </a:stretch>
+        </p:blipFill>
+        <p:spPr>
+          <a:xfrm>
+            <a:off x="69156" y="-12138"/>
+            <a:ext cx="6132410" cy="6858000"/>
+          </a:xfrm>
+          <a:prstGeom prst="rect">
+            <a:avLst/>
+          </a:prstGeom>
+        </p:spPr>
+      </p:pic>
+      <p:sp>
+        <p:nvSpPr>
+          <p:cNvPr id="11" name="Прямоугольник 10">
+            <a:extLst>
+              <a:ext uri="{FF2B5EF4-FFF2-40B4-BE49-F238E27FC236}">
+                <a16:creationId xmlns:a16="http://schemas.microsoft.com/office/drawing/2014/main" id="{8635F470-0910-8056-4967-55E64EB41DFF}"/>
+              </a:ext>
+            </a:extLst>
+          </p:cNvPr>
+          <p:cNvSpPr/>
+          <p:nvPr/>
+        </p:nvSpPr>
+        <p:spPr>
+          <a:xfrm>
+            <a:off x="3642232" y="1260182"/>
+            <a:ext cx="2559334" cy="275420"/>
+          </a:xfrm>
+          <a:prstGeom prst="rect">
+            <a:avLst/>
+          </a:prstGeom>
+          <a:solidFill>
+            <a:schemeClr val="accent2">
+              <a:lumMod val="40000"/>
+              <a:lumOff val="60000"/>
+              <a:alpha val="32157"/>
+            </a:schemeClr>
+          </a:solidFill>
+          <a:ln>
+            <a:solidFill>
+              <a:srgbClr val="2F528F">
+                <a:alpha val="40000"/>
+              </a:srgbClr>
+            </a:solidFill>
+          </a:ln>
+        </p:spPr>
+        <p:style>
+          <a:lnRef idx="2">
+            <a:schemeClr val="accent1">
+              <a:shade val="50000"/>
+            </a:schemeClr>
+          </a:lnRef>
+          <a:fillRef idx="1">
+            <a:schemeClr val="accent1"/>
+          </a:fillRef>
+          <a:effectRef idx="0">
+            <a:schemeClr val="accent1"/>
+          </a:effectRef>
+          <a:fontRef idx="minor">
+            <a:schemeClr val="lt1"/>
+          </a:fontRef>
+        </p:style>
+        <p:txBody>
+          <a:bodyPr rtlCol="0" anchor="ctr"/>
+          <a:lstStyle/>
+          <a:p>
+            <a:pPr algn="ctr"/>
+            <a:endParaRPr lang="ru-RU"/>
+          </a:p>
+        </p:txBody>
+      </p:sp>
+      <p:sp>
+        <p:nvSpPr>
+          <p:cNvPr id="12" name="Прямоугольник 11">
+            <a:extLst>
+              <a:ext uri="{FF2B5EF4-FFF2-40B4-BE49-F238E27FC236}">
+                <a16:creationId xmlns:a16="http://schemas.microsoft.com/office/drawing/2014/main" id="{BCC657D8-246B-9299-09C9-E2F329F3E980}"/>
+              </a:ext>
+            </a:extLst>
+          </p:cNvPr>
+          <p:cNvSpPr/>
+          <p:nvPr/>
+        </p:nvSpPr>
+        <p:spPr>
+          <a:xfrm>
+            <a:off x="3642232" y="2811077"/>
+            <a:ext cx="2559334" cy="275420"/>
+          </a:xfrm>
+          <a:prstGeom prst="rect">
+            <a:avLst/>
+          </a:prstGeom>
+          <a:solidFill>
+            <a:schemeClr val="accent2">
+              <a:lumMod val="40000"/>
+              <a:lumOff val="60000"/>
+              <a:alpha val="32157"/>
+            </a:schemeClr>
+          </a:solidFill>
+          <a:ln>
+            <a:solidFill>
+              <a:srgbClr val="2F528F">
+                <a:alpha val="40000"/>
+              </a:srgbClr>
+            </a:solidFill>
+          </a:ln>
+        </p:spPr>
+        <p:style>
+          <a:lnRef idx="2">
+            <a:schemeClr val="accent1">
+              <a:shade val="50000"/>
+            </a:schemeClr>
+          </a:lnRef>
+          <a:fillRef idx="1">
+            <a:schemeClr val="accent1"/>
+          </a:fillRef>
+          <a:effectRef idx="0">
+            <a:schemeClr val="accent1"/>
+          </a:effectRef>
+          <a:fontRef idx="minor">
+            <a:schemeClr val="lt1"/>
+          </a:fontRef>
+        </p:style>
+        <p:txBody>
+          <a:bodyPr rtlCol="0" anchor="ctr"/>
+          <a:lstStyle/>
+          <a:p>
+            <a:pPr algn="ctr"/>
+            <a:endParaRPr lang="ru-RU"/>
+          </a:p>
+        </p:txBody>
+      </p:sp>
+      <p:sp>
+        <p:nvSpPr>
+          <p:cNvPr id="13" name="Прямоугольник 12">
+            <a:extLst>
+              <a:ext uri="{FF2B5EF4-FFF2-40B4-BE49-F238E27FC236}">
+                <a16:creationId xmlns:a16="http://schemas.microsoft.com/office/drawing/2014/main" id="{15B65DFB-9D85-CF01-99B3-2D4A680E4CCB}"/>
+              </a:ext>
+            </a:extLst>
+          </p:cNvPr>
+          <p:cNvSpPr/>
+          <p:nvPr/>
+        </p:nvSpPr>
+        <p:spPr>
+          <a:xfrm>
+            <a:off x="3642232" y="4069176"/>
+            <a:ext cx="2559334" cy="275420"/>
+          </a:xfrm>
+          <a:prstGeom prst="rect">
+            <a:avLst/>
+          </a:prstGeom>
+          <a:solidFill>
+            <a:schemeClr val="accent2">
+              <a:lumMod val="40000"/>
+              <a:lumOff val="60000"/>
+              <a:alpha val="32157"/>
+            </a:schemeClr>
+          </a:solidFill>
+          <a:ln>
+            <a:solidFill>
+              <a:srgbClr val="2F528F">
+                <a:alpha val="40000"/>
+              </a:srgbClr>
+            </a:solidFill>
+          </a:ln>
+        </p:spPr>
+        <p:style>
+          <a:lnRef idx="2">
+            <a:schemeClr val="accent1">
+              <a:shade val="50000"/>
+            </a:schemeClr>
+          </a:lnRef>
+          <a:fillRef idx="1">
+            <a:schemeClr val="accent1"/>
+          </a:fillRef>
+          <a:effectRef idx="0">
+            <a:schemeClr val="accent1"/>
+          </a:effectRef>
+          <a:fontRef idx="minor">
+            <a:schemeClr val="lt1"/>
+          </a:fontRef>
+        </p:style>
+        <p:txBody>
+          <a:bodyPr rtlCol="0" anchor="ctr"/>
+          <a:lstStyle/>
+          <a:p>
+            <a:pPr algn="ctr"/>
+            <a:endParaRPr lang="ru-RU"/>
+          </a:p>
+        </p:txBody>
+      </p:sp>
+      <p:sp>
+        <p:nvSpPr>
+          <p:cNvPr id="14" name="Прямоугольник 13">
+            <a:extLst>
+              <a:ext uri="{FF2B5EF4-FFF2-40B4-BE49-F238E27FC236}">
+                <a16:creationId xmlns:a16="http://schemas.microsoft.com/office/drawing/2014/main" id="{6DA88AC7-0EEF-0596-1FB5-F131BC00AEBC}"/>
+              </a:ext>
+            </a:extLst>
+          </p:cNvPr>
+          <p:cNvSpPr/>
+          <p:nvPr/>
+        </p:nvSpPr>
+        <p:spPr>
+          <a:xfrm>
+            <a:off x="3642232" y="4962605"/>
+            <a:ext cx="2559334" cy="275420"/>
+          </a:xfrm>
+          <a:prstGeom prst="rect">
+            <a:avLst/>
+          </a:prstGeom>
+          <a:solidFill>
+            <a:schemeClr val="accent2">
+              <a:lumMod val="40000"/>
+              <a:lumOff val="60000"/>
+              <a:alpha val="32157"/>
+            </a:schemeClr>
+          </a:solidFill>
+          <a:ln>
+            <a:solidFill>
+              <a:srgbClr val="2F528F">
+                <a:alpha val="40000"/>
+              </a:srgbClr>
+            </a:solidFill>
+          </a:ln>
+        </p:spPr>
+        <p:style>
+          <a:lnRef idx="2">
+            <a:schemeClr val="accent1">
+              <a:shade val="50000"/>
+            </a:schemeClr>
+          </a:lnRef>
+          <a:fillRef idx="1">
+            <a:schemeClr val="accent1"/>
+          </a:fillRef>
+          <a:effectRef idx="0">
+            <a:schemeClr val="accent1"/>
+          </a:effectRef>
+          <a:fontRef idx="minor">
+            <a:schemeClr val="lt1"/>
+          </a:fontRef>
+        </p:style>
+        <p:txBody>
+          <a:bodyPr rtlCol="0" anchor="ctr"/>
+          <a:lstStyle/>
+          <a:p>
+            <a:pPr algn="ctr"/>
+            <a:endParaRPr lang="ru-RU"/>
+          </a:p>
+        </p:txBody>
+      </p:sp>
+      <p:sp>
+        <p:nvSpPr>
+          <p:cNvPr id="15" name="Прямоугольник 14">
+            <a:extLst>
+              <a:ext uri="{FF2B5EF4-FFF2-40B4-BE49-F238E27FC236}">
+                <a16:creationId xmlns:a16="http://schemas.microsoft.com/office/drawing/2014/main" id="{D424C9C0-7412-6975-EF1C-426BB1AC4550}"/>
+              </a:ext>
+            </a:extLst>
+          </p:cNvPr>
+          <p:cNvSpPr/>
+          <p:nvPr/>
+        </p:nvSpPr>
+        <p:spPr>
+          <a:xfrm>
+            <a:off x="3642232" y="5904233"/>
+            <a:ext cx="2559334" cy="275420"/>
+          </a:xfrm>
+          <a:prstGeom prst="rect">
+            <a:avLst/>
+          </a:prstGeom>
+          <a:solidFill>
+            <a:schemeClr val="accent2">
+              <a:lumMod val="40000"/>
+              <a:lumOff val="60000"/>
+              <a:alpha val="32157"/>
+            </a:schemeClr>
+          </a:solidFill>
+          <a:ln>
+            <a:solidFill>
+              <a:srgbClr val="2F528F">
+                <a:alpha val="40000"/>
+              </a:srgbClr>
+            </a:solidFill>
+          </a:ln>
+        </p:spPr>
+        <p:style>
+          <a:lnRef idx="2">
+            <a:schemeClr val="accent1">
+              <a:shade val="50000"/>
+            </a:schemeClr>
+          </a:lnRef>
+          <a:fillRef idx="1">
+            <a:schemeClr val="accent1"/>
+          </a:fillRef>
+          <a:effectRef idx="0">
+            <a:schemeClr val="accent1"/>
+          </a:effectRef>
+          <a:fontRef idx="minor">
+            <a:schemeClr val="lt1"/>
+          </a:fontRef>
+        </p:style>
+        <p:txBody>
+          <a:bodyPr rtlCol="0" anchor="ctr"/>
+          <a:lstStyle/>
+          <a:p>
+            <a:pPr algn="ctr"/>
+            <a:endParaRPr lang="ru-RU"/>
+          </a:p>
+        </p:txBody>
+      </p:sp>
+      <p:sp>
+        <p:nvSpPr>
+          <p:cNvPr id="16" name="Прямоугольник 15">
+            <a:extLst>
+              <a:ext uri="{FF2B5EF4-FFF2-40B4-BE49-F238E27FC236}">
+                <a16:creationId xmlns:a16="http://schemas.microsoft.com/office/drawing/2014/main" id="{8317F628-D91E-CD59-36DA-9C97D567BA2F}"/>
+              </a:ext>
+            </a:extLst>
+          </p:cNvPr>
+          <p:cNvSpPr/>
+          <p:nvPr/>
+        </p:nvSpPr>
+        <p:spPr>
+          <a:xfrm>
+            <a:off x="10158292" y="365125"/>
+            <a:ext cx="1828801" cy="257283"/>
+          </a:xfrm>
+          <a:prstGeom prst="rect">
+            <a:avLst/>
+          </a:prstGeom>
+          <a:solidFill>
+            <a:schemeClr val="accent2">
+              <a:lumMod val="40000"/>
+              <a:lumOff val="60000"/>
+              <a:alpha val="32157"/>
+            </a:schemeClr>
+          </a:solidFill>
+          <a:ln>
+            <a:solidFill>
+              <a:srgbClr val="2F528F">
+                <a:alpha val="40000"/>
+              </a:srgbClr>
+            </a:solidFill>
+          </a:ln>
+        </p:spPr>
+        <p:style>
+          <a:lnRef idx="2">
+            <a:schemeClr val="accent1">
+              <a:shade val="50000"/>
+            </a:schemeClr>
+          </a:lnRef>
+          <a:fillRef idx="1">
+            <a:schemeClr val="accent1"/>
+          </a:fillRef>
+          <a:effectRef idx="0">
+            <a:schemeClr val="accent1"/>
+          </a:effectRef>
+          <a:fontRef idx="minor">
+            <a:schemeClr val="lt1"/>
+          </a:fontRef>
+        </p:style>
+        <p:txBody>
+          <a:bodyPr rtlCol="0" anchor="ctr"/>
+          <a:lstStyle/>
+          <a:p>
+            <a:pPr algn="ctr"/>
+            <a:endParaRPr lang="ru-RU"/>
+          </a:p>
+        </p:txBody>
+      </p:sp>
+      <p:sp>
+        <p:nvSpPr>
+          <p:cNvPr id="17" name="Прямоугольник 16">
+            <a:extLst>
+              <a:ext uri="{FF2B5EF4-FFF2-40B4-BE49-F238E27FC236}">
+                <a16:creationId xmlns:a16="http://schemas.microsoft.com/office/drawing/2014/main" id="{1D3E8729-26D3-8381-DDE3-38E9DDFD5151}"/>
+              </a:ext>
+            </a:extLst>
+          </p:cNvPr>
+          <p:cNvSpPr/>
+          <p:nvPr/>
+        </p:nvSpPr>
+        <p:spPr>
+          <a:xfrm>
+            <a:off x="10158291" y="1260182"/>
+            <a:ext cx="1828801" cy="257283"/>
+          </a:xfrm>
+          <a:prstGeom prst="rect">
+            <a:avLst/>
+          </a:prstGeom>
+          <a:solidFill>
+            <a:schemeClr val="accent2">
+              <a:lumMod val="40000"/>
+              <a:lumOff val="60000"/>
+              <a:alpha val="32157"/>
+            </a:schemeClr>
+          </a:solidFill>
+          <a:ln>
+            <a:solidFill>
+              <a:srgbClr val="2F528F">
+                <a:alpha val="40000"/>
+              </a:srgbClr>
+            </a:solidFill>
+          </a:ln>
+        </p:spPr>
+        <p:style>
+          <a:lnRef idx="2">
+            <a:schemeClr val="accent1">
+              <a:shade val="50000"/>
+            </a:schemeClr>
+          </a:lnRef>
+          <a:fillRef idx="1">
+            <a:schemeClr val="accent1"/>
+          </a:fillRef>
+          <a:effectRef idx="0">
+            <a:schemeClr val="accent1"/>
+          </a:effectRef>
+          <a:fontRef idx="minor">
+            <a:schemeClr val="lt1"/>
+          </a:fontRef>
+        </p:style>
+        <p:txBody>
+          <a:bodyPr rtlCol="0" anchor="ctr"/>
+          <a:lstStyle/>
+          <a:p>
+            <a:pPr algn="ctr"/>
+            <a:endParaRPr lang="ru-RU"/>
+          </a:p>
+        </p:txBody>
+      </p:sp>
+      <p:sp>
+        <p:nvSpPr>
+          <p:cNvPr id="18" name="Прямоугольник 17">
+            <a:extLst>
+              <a:ext uri="{FF2B5EF4-FFF2-40B4-BE49-F238E27FC236}">
+                <a16:creationId xmlns:a16="http://schemas.microsoft.com/office/drawing/2014/main" id="{FA31AD83-3B7D-B388-F3EE-763B7DBDD29F}"/>
+              </a:ext>
+            </a:extLst>
+          </p:cNvPr>
+          <p:cNvSpPr/>
+          <p:nvPr/>
+        </p:nvSpPr>
+        <p:spPr>
+          <a:xfrm>
+            <a:off x="10158291" y="1690688"/>
+            <a:ext cx="1828801" cy="850475"/>
+          </a:xfrm>
+          <a:prstGeom prst="rect">
+            <a:avLst/>
+          </a:prstGeom>
+          <a:solidFill>
+            <a:schemeClr val="accent2">
+              <a:lumMod val="40000"/>
+              <a:lumOff val="60000"/>
+              <a:alpha val="32157"/>
+            </a:schemeClr>
+          </a:solidFill>
+          <a:ln>
+            <a:solidFill>
+              <a:srgbClr val="2F528F">
+                <a:alpha val="40000"/>
+              </a:srgbClr>
+            </a:solidFill>
+          </a:ln>
+        </p:spPr>
+        <p:style>
+          <a:lnRef idx="2">
+            <a:schemeClr val="accent1">
+              <a:shade val="50000"/>
+            </a:schemeClr>
+          </a:lnRef>
+          <a:fillRef idx="1">
+            <a:schemeClr val="accent1"/>
+          </a:fillRef>
+          <a:effectRef idx="0">
+            <a:schemeClr val="accent1"/>
+          </a:effectRef>
+          <a:fontRef idx="minor">
+            <a:schemeClr val="lt1"/>
+          </a:fontRef>
+        </p:style>
+        <p:txBody>
+          <a:bodyPr rtlCol="0" anchor="ctr"/>
+          <a:lstStyle/>
+          <a:p>
+            <a:pPr algn="ctr"/>
+            <a:endParaRPr lang="ru-RU"/>
+          </a:p>
+        </p:txBody>
+      </p:sp>
+      <p:sp>
+        <p:nvSpPr>
+          <p:cNvPr id="19" name="Прямоугольник 18">
+            <a:extLst>
+              <a:ext uri="{FF2B5EF4-FFF2-40B4-BE49-F238E27FC236}">
+                <a16:creationId xmlns:a16="http://schemas.microsoft.com/office/drawing/2014/main" id="{A1D20657-0575-5EB8-8942-55F933BDEDAC}"/>
+              </a:ext>
+            </a:extLst>
+          </p:cNvPr>
+          <p:cNvSpPr/>
+          <p:nvPr/>
+        </p:nvSpPr>
+        <p:spPr>
+          <a:xfrm>
+            <a:off x="10095538" y="3159579"/>
+            <a:ext cx="1828801" cy="215563"/>
+          </a:xfrm>
+          <a:prstGeom prst="rect">
+            <a:avLst/>
+          </a:prstGeom>
+          <a:solidFill>
+            <a:schemeClr val="accent2">
+              <a:lumMod val="40000"/>
+              <a:lumOff val="60000"/>
+              <a:alpha val="32157"/>
+            </a:schemeClr>
+          </a:solidFill>
+          <a:ln>
+            <a:solidFill>
+              <a:srgbClr val="2F528F">
+                <a:alpha val="40000"/>
+              </a:srgbClr>
+            </a:solidFill>
+          </a:ln>
+        </p:spPr>
+        <p:style>
+          <a:lnRef idx="2">
+            <a:schemeClr val="accent1">
+              <a:shade val="50000"/>
+            </a:schemeClr>
+          </a:lnRef>
+          <a:fillRef idx="1">
+            <a:schemeClr val="accent1"/>
+          </a:fillRef>
+          <a:effectRef idx="0">
+            <a:schemeClr val="accent1"/>
+          </a:effectRef>
+          <a:fontRef idx="minor">
+            <a:schemeClr val="lt1"/>
+          </a:fontRef>
+        </p:style>
+        <p:txBody>
+          <a:bodyPr rtlCol="0" anchor="ctr"/>
+          <a:lstStyle/>
+          <a:p>
+            <a:pPr algn="ctr"/>
+            <a:endParaRPr lang="ru-RU"/>
+          </a:p>
+        </p:txBody>
+      </p:sp>
+      <p:sp>
+        <p:nvSpPr>
+          <p:cNvPr id="20" name="Прямоугольник 19">
+            <a:extLst>
+              <a:ext uri="{FF2B5EF4-FFF2-40B4-BE49-F238E27FC236}">
+                <a16:creationId xmlns:a16="http://schemas.microsoft.com/office/drawing/2014/main" id="{9C004663-D29D-E0F8-BEC3-67E0EED385CA}"/>
+              </a:ext>
+            </a:extLst>
+          </p:cNvPr>
+          <p:cNvSpPr/>
+          <p:nvPr/>
+        </p:nvSpPr>
+        <p:spPr>
+          <a:xfrm>
+            <a:off x="10095538" y="3404723"/>
+            <a:ext cx="1828801" cy="215562"/>
+          </a:xfrm>
+          <a:prstGeom prst="rect">
+            <a:avLst/>
+          </a:prstGeom>
+          <a:solidFill>
+            <a:schemeClr val="accent2">
+              <a:lumMod val="40000"/>
+              <a:lumOff val="60000"/>
+              <a:alpha val="32157"/>
+            </a:schemeClr>
+          </a:solidFill>
+          <a:ln>
+            <a:solidFill>
+              <a:srgbClr val="2F528F">
+                <a:alpha val="40000"/>
+              </a:srgbClr>
+            </a:solidFill>
+          </a:ln>
+        </p:spPr>
+        <p:style>
+          <a:lnRef idx="2">
+            <a:schemeClr val="accent1">
+              <a:shade val="50000"/>
+            </a:schemeClr>
+          </a:lnRef>
+          <a:fillRef idx="1">
+            <a:schemeClr val="accent1"/>
+          </a:fillRef>
+          <a:effectRef idx="0">
+            <a:schemeClr val="accent1"/>
+          </a:effectRef>
+          <a:fontRef idx="minor">
+            <a:schemeClr val="lt1"/>
+          </a:fontRef>
+        </p:style>
+        <p:txBody>
+          <a:bodyPr rtlCol="0" anchor="ctr"/>
+          <a:lstStyle/>
+          <a:p>
+            <a:pPr algn="ctr"/>
+            <a:endParaRPr lang="ru-RU"/>
+          </a:p>
+        </p:txBody>
+      </p:sp>
+      <p:sp>
+        <p:nvSpPr>
+          <p:cNvPr id="21" name="Прямоугольник 20">
+            <a:extLst>
+              <a:ext uri="{FF2B5EF4-FFF2-40B4-BE49-F238E27FC236}">
+                <a16:creationId xmlns:a16="http://schemas.microsoft.com/office/drawing/2014/main" id="{09052B4E-6FCD-70E0-ACB8-12286562BDFD}"/>
+              </a:ext>
+            </a:extLst>
+          </p:cNvPr>
+          <p:cNvSpPr/>
+          <p:nvPr/>
+        </p:nvSpPr>
+        <p:spPr>
+          <a:xfrm>
+            <a:off x="10095537" y="4898650"/>
+            <a:ext cx="1828801" cy="215563"/>
+          </a:xfrm>
+          <a:prstGeom prst="rect">
+            <a:avLst/>
+          </a:prstGeom>
+          <a:solidFill>
+            <a:schemeClr val="accent2">
+              <a:lumMod val="40000"/>
+              <a:lumOff val="60000"/>
+              <a:alpha val="32157"/>
+            </a:schemeClr>
+          </a:solidFill>
+          <a:ln>
+            <a:solidFill>
+              <a:srgbClr val="2F528F">
+                <a:alpha val="40000"/>
+              </a:srgbClr>
+            </a:solidFill>
+          </a:ln>
+        </p:spPr>
+        <p:style>
+          <a:lnRef idx="2">
+            <a:schemeClr val="accent1">
+              <a:shade val="50000"/>
+            </a:schemeClr>
+          </a:lnRef>
+          <a:fillRef idx="1">
+            <a:schemeClr val="accent1"/>
+          </a:fillRef>
+          <a:effectRef idx="0">
+            <a:schemeClr val="accent1"/>
+          </a:effectRef>
+          <a:fontRef idx="minor">
+            <a:schemeClr val="lt1"/>
+          </a:fontRef>
+        </p:style>
+        <p:txBody>
+          <a:bodyPr rtlCol="0" anchor="ctr"/>
+          <a:lstStyle/>
+          <a:p>
+            <a:pPr algn="ctr"/>
+            <a:endParaRPr lang="ru-RU"/>
+          </a:p>
+        </p:txBody>
+      </p:sp>
+      <p:sp>
+        <p:nvSpPr>
+          <p:cNvPr id="22" name="Прямоугольник 21">
+            <a:extLst>
+              <a:ext uri="{FF2B5EF4-FFF2-40B4-BE49-F238E27FC236}">
+                <a16:creationId xmlns:a16="http://schemas.microsoft.com/office/drawing/2014/main" id="{F31E85A8-9952-C50B-A8AC-13423AF855E0}"/>
+              </a:ext>
+            </a:extLst>
+          </p:cNvPr>
+          <p:cNvSpPr/>
+          <p:nvPr/>
+        </p:nvSpPr>
+        <p:spPr>
+          <a:xfrm>
+            <a:off x="10158290" y="6630299"/>
+            <a:ext cx="1828801" cy="215563"/>
+          </a:xfrm>
+          <a:prstGeom prst="rect">
+            <a:avLst/>
+          </a:prstGeom>
+          <a:solidFill>
+            <a:schemeClr val="accent2">
+              <a:lumMod val="40000"/>
+              <a:lumOff val="60000"/>
+              <a:alpha val="32157"/>
+            </a:schemeClr>
+          </a:solidFill>
+          <a:ln>
+            <a:solidFill>
+              <a:srgbClr val="2F528F">
+                <a:alpha val="40000"/>
+              </a:srgbClr>
+            </a:solidFill>
+          </a:ln>
+        </p:spPr>
+        <p:style>
+          <a:lnRef idx="2">
+            <a:schemeClr val="accent1">
+              <a:shade val="50000"/>
+            </a:schemeClr>
+          </a:lnRef>
+          <a:fillRef idx="1">
+            <a:schemeClr val="accent1"/>
+          </a:fillRef>
+          <a:effectRef idx="0">
+            <a:schemeClr val="accent1"/>
+          </a:effectRef>
+          <a:fontRef idx="minor">
+            <a:schemeClr val="lt1"/>
+          </a:fontRef>
+        </p:style>
+        <p:txBody>
+          <a:bodyPr rtlCol="0" anchor="ctr"/>
+          <a:lstStyle/>
+          <a:p>
+            <a:pPr algn="ctr"/>
+            <a:endParaRPr lang="ru-RU"/>
+          </a:p>
+        </p:txBody>
+      </p:sp>
+      <p:sp>
+        <p:nvSpPr>
+          <p:cNvPr id="23" name="Прямоугольник 22">
+            <a:extLst>
+              <a:ext uri="{FF2B5EF4-FFF2-40B4-BE49-F238E27FC236}">
+                <a16:creationId xmlns:a16="http://schemas.microsoft.com/office/drawing/2014/main" id="{C403E5A6-1E6B-22E0-DFFD-CA995DFA4C48}"/>
+              </a:ext>
+            </a:extLst>
+          </p:cNvPr>
+          <p:cNvSpPr/>
+          <p:nvPr/>
+        </p:nvSpPr>
+        <p:spPr>
+          <a:xfrm>
+            <a:off x="10158290" y="5758405"/>
+            <a:ext cx="1828801" cy="215563"/>
+          </a:xfrm>
+          <a:prstGeom prst="rect">
+            <a:avLst/>
+          </a:prstGeom>
+          <a:solidFill>
+            <a:schemeClr val="accent2">
+              <a:lumMod val="40000"/>
+              <a:lumOff val="60000"/>
+              <a:alpha val="32157"/>
+            </a:schemeClr>
+          </a:solidFill>
+          <a:ln>
+            <a:solidFill>
+              <a:srgbClr val="2F528F">
+                <a:alpha val="40000"/>
+              </a:srgbClr>
+            </a:solidFill>
+          </a:ln>
+        </p:spPr>
+        <p:style>
+          <a:lnRef idx="2">
+            <a:schemeClr val="accent1">
+              <a:shade val="50000"/>
+            </a:schemeClr>
+          </a:lnRef>
+          <a:fillRef idx="1">
+            <a:schemeClr val="accent1"/>
+          </a:fillRef>
+          <a:effectRef idx="0">
+            <a:schemeClr val="accent1"/>
+          </a:effectRef>
+          <a:fontRef idx="minor">
+            <a:schemeClr val="lt1"/>
+          </a:fontRef>
+        </p:style>
+        <p:txBody>
+          <a:bodyPr rtlCol="0" anchor="ctr"/>
+          <a:lstStyle/>
+          <a:p>
+            <a:pPr algn="ctr"/>
+            <a:endParaRPr lang="ru-RU"/>
           </a:p>
         </p:txBody>
       </p:sp>
     </p:spTree>
     <p:extLst>
       <p:ext uri="{BB962C8B-B14F-4D97-AF65-F5344CB8AC3E}">
-        <p14:creationId xmlns:p14="http://schemas.microsoft.com/office/powerpoint/2010/main" val="2263242981"/>
+        <p14:creationId xmlns:p14="http://schemas.microsoft.com/office/powerpoint/2010/main" val="1155103601"/>
+      </p:ext>
+    </p:extLst>
+  </p:cSld>
+  <p:clrMapOvr>
+    <a:masterClrMapping/>
+  </p:clrMapOvr>
+</p:sld>
+</file>
+
+<file path=ppt/slides/slide9.xml><?xml version="1.0" encoding="utf-8"?>
+<p:sld xmlns:a="http://schemas.openxmlformats.org/drawingml/2006/main" xmlns:r="http://schemas.openxmlformats.org/officeDocument/2006/relationships" xmlns:p="http://schemas.openxmlformats.org/presentationml/2006/main">
+  <p:cSld>
+    <p:spTree>
+      <p:nvGrpSpPr>
+        <p:cNvPr id="1" name=""/>
+        <p:cNvGrpSpPr/>
+        <p:nvPr/>
+      </p:nvGrpSpPr>
+      <p:grpSpPr>
+        <a:xfrm>
+          <a:off x="0" y="0"/>
+          <a:ext cx="0" cy="0"/>
+          <a:chOff x="0" y="0"/>
+          <a:chExt cx="0" cy="0"/>
+        </a:xfrm>
+      </p:grpSpPr>
+      <p:sp>
+        <p:nvSpPr>
+          <p:cNvPr id="2" name="Заголовок 1">
+            <a:extLst>
+              <a:ext uri="{FF2B5EF4-FFF2-40B4-BE49-F238E27FC236}">
+                <a16:creationId xmlns:a16="http://schemas.microsoft.com/office/drawing/2014/main" id="{4E390A06-A993-BC0C-7CB3-B414557E592C}"/>
+              </a:ext>
+            </a:extLst>
+          </p:cNvPr>
+          <p:cNvSpPr>
+            <a:spLocks noGrp="1"/>
+          </p:cNvSpPr>
+          <p:nvPr>
+            <p:ph type="title"/>
+          </p:nvPr>
+        </p:nvSpPr>
+        <p:spPr/>
+        <p:txBody>
+          <a:bodyPr/>
+          <a:lstStyle/>
+          <a:p>
+            <a:r>
+              <a:rPr lang="en-US" dirty="0" err="1"/>
+              <a:t>Fedot</a:t>
+            </a:r>
+            <a:r>
+              <a:rPr lang="en-US" dirty="0"/>
+              <a:t> </a:t>
+            </a:r>
+            <a:r>
+              <a:rPr lang="en-US" dirty="0" err="1"/>
+              <a:t>AutoML</a:t>
+            </a:r>
+            <a:endParaRPr lang="ru-RU" dirty="0"/>
+          </a:p>
+        </p:txBody>
+      </p:sp>
+      <p:sp>
+        <p:nvSpPr>
+          <p:cNvPr id="3" name="Объект 2">
+            <a:extLst>
+              <a:ext uri="{FF2B5EF4-FFF2-40B4-BE49-F238E27FC236}">
+                <a16:creationId xmlns:a16="http://schemas.microsoft.com/office/drawing/2014/main" id="{CDCF61CF-E930-C800-3288-45DA9D716F3E}"/>
+              </a:ext>
+            </a:extLst>
+          </p:cNvPr>
+          <p:cNvSpPr>
+            <a:spLocks noGrp="1"/>
+          </p:cNvSpPr>
+          <p:nvPr>
+            <p:ph idx="1"/>
+          </p:nvPr>
+        </p:nvSpPr>
+        <p:spPr/>
+        <p:txBody>
+          <a:bodyPr/>
+          <a:lstStyle/>
+          <a:p>
+            <a:r>
+              <a:rPr lang="ru-RU" dirty="0"/>
+              <a:t>Было создано 52 </a:t>
+            </a:r>
+            <a:r>
+              <a:rPr lang="ru-RU" dirty="0" err="1"/>
+              <a:t>пайплайна</a:t>
+            </a:r>
+            <a:r>
+              <a:rPr lang="ru-RU" dirty="0"/>
+              <a:t> для всех параметров и размеров окон данных для прогнозирования. </a:t>
+            </a:r>
+            <a:r>
+              <a:rPr lang="ru-RU" dirty="0" err="1"/>
+              <a:t>Пайплайны</a:t>
+            </a:r>
+            <a:r>
+              <a:rPr lang="ru-RU" dirty="0"/>
+              <a:t> сохранены в директориях </a:t>
+            </a:r>
+            <a:r>
+              <a:rPr lang="en-US" dirty="0" err="1"/>
+              <a:t>fedot_w</a:t>
+            </a:r>
+            <a:r>
+              <a:rPr lang="en-US" dirty="0"/>
+              <a:t>{</a:t>
+            </a:r>
+            <a:r>
+              <a:rPr lang="ru-RU" dirty="0"/>
+              <a:t>длина окна</a:t>
+            </a:r>
+            <a:r>
+              <a:rPr lang="en-US" dirty="0"/>
+              <a:t>}</a:t>
+            </a:r>
+            <a:r>
+              <a:rPr lang="ru-RU" dirty="0"/>
+              <a:t> и могут быть загружены с помощью </a:t>
+            </a:r>
+            <a:r>
+              <a:rPr lang="en-US" i="1" dirty="0" err="1"/>
+              <a:t>model.load</a:t>
+            </a:r>
+            <a:r>
+              <a:rPr lang="en-US" i="1" dirty="0"/>
+              <a:t>(“</a:t>
+            </a:r>
+            <a:r>
+              <a:rPr lang="en-US" i="1" dirty="0" err="1"/>
+              <a:t>fedot_w</a:t>
+            </a:r>
+            <a:r>
+              <a:rPr lang="en-US" i="1" dirty="0"/>
+              <a:t>{3}/</a:t>
+            </a:r>
+            <a:r>
+              <a:rPr lang="en-US" i="1" dirty="0" err="1"/>
+              <a:t>fedot_regression_param</a:t>
+            </a:r>
+            <a:r>
+              <a:rPr lang="en-US" i="1" dirty="0"/>
+              <a:t>_{</a:t>
+            </a:r>
+            <a:r>
+              <a:rPr lang="ru-RU" i="1" dirty="0"/>
+              <a:t>номер параметра</a:t>
+            </a:r>
+            <a:r>
+              <a:rPr lang="en-US" i="1" dirty="0"/>
+              <a:t>}.</a:t>
+            </a:r>
+            <a:r>
+              <a:rPr lang="en-US" i="1" dirty="0" err="1"/>
+              <a:t>json</a:t>
+            </a:r>
+            <a:r>
+              <a:rPr lang="en-US" i="1" dirty="0"/>
+              <a:t>”)</a:t>
+            </a:r>
+          </a:p>
+          <a:p>
+            <a:r>
+              <a:rPr lang="ru-RU" dirty="0"/>
+              <a:t>Результаты моделей на </a:t>
+            </a:r>
+            <a:r>
+              <a:rPr lang="ru-RU"/>
+              <a:t>тестовой выборке превосходят </a:t>
+            </a:r>
+            <a:r>
+              <a:rPr lang="ru-RU" dirty="0"/>
+              <a:t>результаты нейросетей почти по всем параметрам. </a:t>
+            </a:r>
+            <a:endParaRPr lang="en-US" dirty="0"/>
+          </a:p>
+          <a:p>
+            <a:endParaRPr lang="ru-RU" dirty="0"/>
+          </a:p>
+          <a:p>
+            <a:endParaRPr lang="ru-RU" dirty="0"/>
+          </a:p>
+        </p:txBody>
+      </p:sp>
+    </p:spTree>
+    <p:extLst>
+      <p:ext uri="{BB962C8B-B14F-4D97-AF65-F5344CB8AC3E}">
+        <p14:creationId xmlns:p14="http://schemas.microsoft.com/office/powerpoint/2010/main" val="33251273"/>
       </p:ext>
     </p:extLst>
   </p:cSld>

--- a/docs/Отчет по НИР December.pptx
+++ b/docs/Отчет по НИР December.pptx
@@ -11,11 +11,15 @@
     <p:sldId id="267" r:id="rId5"/>
     <p:sldId id="268" r:id="rId6"/>
     <p:sldId id="269" r:id="rId7"/>
-    <p:sldId id="261" r:id="rId8"/>
-    <p:sldId id="270" r:id="rId9"/>
-    <p:sldId id="271" r:id="rId10"/>
-    <p:sldId id="272" r:id="rId11"/>
-    <p:sldId id="266" r:id="rId12"/>
+    <p:sldId id="274" r:id="rId8"/>
+    <p:sldId id="261" r:id="rId9"/>
+    <p:sldId id="270" r:id="rId10"/>
+    <p:sldId id="276" r:id="rId11"/>
+    <p:sldId id="272" r:id="rId12"/>
+    <p:sldId id="273" r:id="rId13"/>
+    <p:sldId id="271" r:id="rId14"/>
+    <p:sldId id="275" r:id="rId15"/>
+    <p:sldId id="266" r:id="rId16"/>
   </p:sldIdLst>
   <p:sldSz cx="12192000" cy="6858000"/>
   <p:notesSz cx="6858000" cy="9144000"/>
@@ -3795,7 +3799,7 @@
           <p:cNvPr id="2" name="Заголовок 1">
             <a:extLst>
               <a:ext uri="{FF2B5EF4-FFF2-40B4-BE49-F238E27FC236}">
-                <a16:creationId xmlns:a16="http://schemas.microsoft.com/office/drawing/2014/main" id="{DC296086-1E9C-CC9C-B510-079ADADE4BCE}"/>
+                <a16:creationId xmlns:a16="http://schemas.microsoft.com/office/drawing/2014/main" id="{BA5777C6-B467-911A-2DD4-0A95290BDBFA}"/>
               </a:ext>
             </a:extLst>
           </p:cNvPr>
@@ -3811,41 +3815,182 @@
           <a:bodyPr/>
           <a:lstStyle/>
           <a:p>
-            <a:endParaRPr lang="ru-RU"/>
-          </a:p>
-        </p:txBody>
-      </p:sp>
-      <p:sp>
-        <p:nvSpPr>
-          <p:cNvPr id="3" name="Объект 2">
-            <a:extLst>
-              <a:ext uri="{FF2B5EF4-FFF2-40B4-BE49-F238E27FC236}">
-                <a16:creationId xmlns:a16="http://schemas.microsoft.com/office/drawing/2014/main" id="{237B571A-F0A7-D759-D128-C3CDD2A08965}"/>
-              </a:ext>
-            </a:extLst>
-          </p:cNvPr>
-          <p:cNvSpPr>
-            <a:spLocks noGrp="1"/>
-          </p:cNvSpPr>
-          <p:nvPr>
-            <p:ph idx="1"/>
-          </p:nvPr>
-        </p:nvSpPr>
-        <p:spPr/>
-        <p:txBody>
-          <a:bodyPr/>
-          <a:lstStyle/>
-          <a:p>
-            <a:endParaRPr lang="ru-RU"/>
+            <a:endParaRPr lang="ru-RU" dirty="0"/>
           </a:p>
         </p:txBody>
       </p:sp>
       <p:pic>
         <p:nvPicPr>
-          <p:cNvPr id="7" name="Рисунок 6">
-            <a:extLst>
-              <a:ext uri="{FF2B5EF4-FFF2-40B4-BE49-F238E27FC236}">
-                <a16:creationId xmlns:a16="http://schemas.microsoft.com/office/drawing/2014/main" id="{41B70B68-2C29-3B81-295E-C63B72E59067}"/>
+          <p:cNvPr id="5" name="Объект 4">
+            <a:extLst>
+              <a:ext uri="{FF2B5EF4-FFF2-40B4-BE49-F238E27FC236}">
+                <a16:creationId xmlns:a16="http://schemas.microsoft.com/office/drawing/2014/main" id="{C947BC26-1CE0-08BD-C80D-E5823C898F9E}"/>
+              </a:ext>
+            </a:extLst>
+          </p:cNvPr>
+          <p:cNvPicPr>
+            <a:picLocks noGrp="1" noChangeAspect="1"/>
+          </p:cNvPicPr>
+          <p:nvPr>
+            <p:ph idx="1"/>
+          </p:nvPr>
+        </p:nvPicPr>
+        <p:blipFill rotWithShape="1">
+          <a:blip r:embed="rId2">
+            <a:extLst>
+              <a:ext uri="{28A0092B-C50C-407E-A947-70E740481C1C}">
+                <a14:useLocalDpi xmlns:a14="http://schemas.microsoft.com/office/drawing/2010/main" val="0"/>
+              </a:ext>
+            </a:extLst>
+          </a:blip>
+          <a:srcRect b="73968"/>
+          <a:stretch/>
+        </p:blipFill>
+        <p:spPr>
+          <a:xfrm>
+            <a:off x="48723" y="1157934"/>
+            <a:ext cx="6047277" cy="1574210"/>
+          </a:xfrm>
+        </p:spPr>
+      </p:pic>
+      <p:sp>
+        <p:nvSpPr>
+          <p:cNvPr id="6" name="TextBox 5">
+            <a:extLst>
+              <a:ext uri="{FF2B5EF4-FFF2-40B4-BE49-F238E27FC236}">
+                <a16:creationId xmlns:a16="http://schemas.microsoft.com/office/drawing/2014/main" id="{A1EFCA3E-D834-B5D8-7130-E36B7B8ACB1A}"/>
+              </a:ext>
+            </a:extLst>
+          </p:cNvPr>
+          <p:cNvSpPr txBox="1"/>
+          <p:nvPr/>
+        </p:nvSpPr>
+        <p:spPr>
+          <a:xfrm>
+            <a:off x="1104557" y="2387544"/>
+            <a:ext cx="1439497" cy="1200329"/>
+          </a:xfrm>
+          <a:prstGeom prst="rect">
+            <a:avLst/>
+          </a:prstGeom>
+          <a:noFill/>
+        </p:spPr>
+        <p:txBody>
+          <a:bodyPr wrap="none" rtlCol="0">
+            <a:spAutoFit/>
+          </a:bodyPr>
+          <a:lstStyle/>
+          <a:p>
+            <a:r>
+              <a:rPr lang="ru-RU" dirty="0"/>
+              <a:t>Температура</a:t>
+            </a:r>
+          </a:p>
+          <a:p>
+            <a:r>
+              <a:rPr lang="ru-RU" dirty="0"/>
+              <a:t>ЧДД</a:t>
+            </a:r>
+          </a:p>
+          <a:p>
+            <a:r>
+              <a:rPr lang="ru-RU" dirty="0"/>
+              <a:t>ЧСС</a:t>
+            </a:r>
+          </a:p>
+          <a:p>
+            <a:endParaRPr lang="ru-RU" dirty="0"/>
+          </a:p>
+        </p:txBody>
+      </p:sp>
+      <p:pic>
+        <p:nvPicPr>
+          <p:cNvPr id="8" name="Рисунок 7">
+            <a:extLst>
+              <a:ext uri="{FF2B5EF4-FFF2-40B4-BE49-F238E27FC236}">
+                <a16:creationId xmlns:a16="http://schemas.microsoft.com/office/drawing/2014/main" id="{BA5039ED-E1E4-6F9B-FE7D-731C4A5A1D26}"/>
+              </a:ext>
+            </a:extLst>
+          </p:cNvPr>
+          <p:cNvPicPr>
+            <a:picLocks noChangeAspect="1"/>
+          </p:cNvPicPr>
+          <p:nvPr/>
+        </p:nvPicPr>
+        <p:blipFill rotWithShape="1">
+          <a:blip r:embed="rId3">
+            <a:extLst>
+              <a:ext uri="{28A0092B-C50C-407E-A947-70E740481C1C}">
+                <a14:useLocalDpi xmlns:a14="http://schemas.microsoft.com/office/drawing/2010/main" val="0"/>
+              </a:ext>
+            </a:extLst>
+          </a:blip>
+          <a:srcRect t="34844" b="34904"/>
+          <a:stretch/>
+        </p:blipFill>
+        <p:spPr>
+          <a:xfrm>
+            <a:off x="6523962" y="234165"/>
+            <a:ext cx="4542796" cy="1374292"/>
+          </a:xfrm>
+          <a:prstGeom prst="rect">
+            <a:avLst/>
+          </a:prstGeom>
+        </p:spPr>
+      </p:pic>
+      <p:sp>
+        <p:nvSpPr>
+          <p:cNvPr id="9" name="TextBox 8">
+            <a:extLst>
+              <a:ext uri="{FF2B5EF4-FFF2-40B4-BE49-F238E27FC236}">
+                <a16:creationId xmlns:a16="http://schemas.microsoft.com/office/drawing/2014/main" id="{F821BD6D-3C56-2318-D2C5-A80B546076EA}"/>
+              </a:ext>
+            </a:extLst>
+          </p:cNvPr>
+          <p:cNvSpPr txBox="1"/>
+          <p:nvPr/>
+        </p:nvSpPr>
+        <p:spPr>
+          <a:xfrm>
+            <a:off x="7657612" y="1389297"/>
+            <a:ext cx="2275496" cy="923330"/>
+          </a:xfrm>
+          <a:prstGeom prst="rect">
+            <a:avLst/>
+          </a:prstGeom>
+          <a:noFill/>
+        </p:spPr>
+        <p:txBody>
+          <a:bodyPr wrap="none" rtlCol="0">
+            <a:spAutoFit/>
+          </a:bodyPr>
+          <a:lstStyle/>
+          <a:p>
+            <a:pPr algn="ctr"/>
+            <a:r>
+              <a:rPr lang="ru-RU" dirty="0"/>
+              <a:t>Снижение сознания</a:t>
+            </a:r>
+            <a:endParaRPr lang="en-US" dirty="0"/>
+          </a:p>
+          <a:p>
+            <a:pPr algn="ctr"/>
+            <a:r>
+              <a:rPr lang="ru-RU" dirty="0"/>
+              <a:t>Лимфоциты%</a:t>
+            </a:r>
+          </a:p>
+          <a:p>
+            <a:endParaRPr lang="ru-RU" dirty="0"/>
+          </a:p>
+        </p:txBody>
+      </p:sp>
+      <p:pic>
+        <p:nvPicPr>
+          <p:cNvPr id="11" name="Рисунок 10">
+            <a:extLst>
+              <a:ext uri="{FF2B5EF4-FFF2-40B4-BE49-F238E27FC236}">
+                <a16:creationId xmlns:a16="http://schemas.microsoft.com/office/drawing/2014/main" id="{23C72B88-7CB9-FC9D-92FD-DD83D0084A70}"/>
               </a:ext>
             </a:extLst>
           </p:cNvPr>
@@ -3855,25 +4000,267 @@
           <p:nvPr/>
         </p:nvPicPr>
         <p:blipFill>
-          <a:blip r:embed="rId2"/>
+          <a:blip r:embed="rId4">
+            <a:extLst>
+              <a:ext uri="{28A0092B-C50C-407E-A947-70E740481C1C}">
+                <a14:useLocalDpi xmlns:a14="http://schemas.microsoft.com/office/drawing/2010/main" val="0"/>
+              </a:ext>
+            </a:extLst>
+          </a:blip>
           <a:stretch>
             <a:fillRect/>
           </a:stretch>
         </p:blipFill>
         <p:spPr>
           <a:xfrm>
-            <a:off x="64098" y="0"/>
-            <a:ext cx="12063803" cy="6858000"/>
+            <a:off x="5437032" y="1945039"/>
+            <a:ext cx="4912961" cy="4912961"/>
           </a:xfrm>
           <a:prstGeom prst="rect">
             <a:avLst/>
           </a:prstGeom>
         </p:spPr>
       </p:pic>
+      <p:sp>
+        <p:nvSpPr>
+          <p:cNvPr id="12" name="TextBox 11">
+            <a:extLst>
+              <a:ext uri="{FF2B5EF4-FFF2-40B4-BE49-F238E27FC236}">
+                <a16:creationId xmlns:a16="http://schemas.microsoft.com/office/drawing/2014/main" id="{DA074DF9-EE7E-5E9C-183A-7921A6755F42}"/>
+              </a:ext>
+            </a:extLst>
+          </p:cNvPr>
+          <p:cNvSpPr txBox="1"/>
+          <p:nvPr/>
+        </p:nvSpPr>
+        <p:spPr>
+          <a:xfrm>
+            <a:off x="8523826" y="5376900"/>
+            <a:ext cx="1481496" cy="923330"/>
+          </a:xfrm>
+          <a:prstGeom prst="rect">
+            <a:avLst/>
+          </a:prstGeom>
+          <a:noFill/>
+        </p:spPr>
+        <p:txBody>
+          <a:bodyPr wrap="none" rtlCol="0">
+            <a:spAutoFit/>
+          </a:bodyPr>
+          <a:lstStyle/>
+          <a:p>
+            <a:r>
+              <a:rPr lang="ru-RU" dirty="0"/>
+              <a:t>Лимфоциты</a:t>
+            </a:r>
+            <a:r>
+              <a:rPr lang="en-US" dirty="0"/>
+              <a:t>#</a:t>
+            </a:r>
+            <a:endParaRPr lang="ru-RU" dirty="0"/>
+          </a:p>
+          <a:p>
+            <a:r>
+              <a:rPr lang="ru-RU" dirty="0"/>
+              <a:t>АСТ</a:t>
+            </a:r>
+          </a:p>
+          <a:p>
+            <a:endParaRPr lang="ru-RU" dirty="0"/>
+          </a:p>
+        </p:txBody>
+      </p:sp>
+      <p:sp>
+        <p:nvSpPr>
+          <p:cNvPr id="13" name="TextBox 12">
+            <a:extLst>
+              <a:ext uri="{FF2B5EF4-FFF2-40B4-BE49-F238E27FC236}">
+                <a16:creationId xmlns:a16="http://schemas.microsoft.com/office/drawing/2014/main" id="{9098993D-24F8-A3B9-64E2-DA2C07958094}"/>
+              </a:ext>
+            </a:extLst>
+          </p:cNvPr>
+          <p:cNvSpPr txBox="1"/>
+          <p:nvPr/>
+        </p:nvSpPr>
+        <p:spPr>
+          <a:xfrm>
+            <a:off x="2616172" y="2387544"/>
+            <a:ext cx="1838004" cy="2031325"/>
+          </a:xfrm>
+          <a:prstGeom prst="rect">
+            <a:avLst/>
+          </a:prstGeom>
+          <a:noFill/>
+        </p:spPr>
+        <p:txBody>
+          <a:bodyPr wrap="none" rtlCol="0">
+            <a:spAutoFit/>
+          </a:bodyPr>
+          <a:lstStyle/>
+          <a:p>
+            <a:r>
+              <a:rPr lang="ru-RU" dirty="0" err="1"/>
+              <a:t>Биллирубин</a:t>
+            </a:r>
+            <a:endParaRPr lang="ru-RU" dirty="0"/>
+          </a:p>
+          <a:p>
+            <a:r>
+              <a:rPr lang="ru-RU" dirty="0" err="1"/>
+              <a:t>Лактатдегидраза</a:t>
+            </a:r>
+            <a:endParaRPr lang="ru-RU" dirty="0"/>
+          </a:p>
+          <a:p>
+            <a:r>
+              <a:rPr lang="ru-RU" dirty="0"/>
+              <a:t>РСТ</a:t>
+            </a:r>
+            <a:endParaRPr lang="en-US" dirty="0"/>
+          </a:p>
+          <a:p>
+            <a:r>
+              <a:rPr lang="en-US" dirty="0"/>
+              <a:t>MPV</a:t>
+            </a:r>
+          </a:p>
+          <a:p>
+            <a:endParaRPr lang="ru-RU" dirty="0"/>
+          </a:p>
+          <a:p>
+            <a:endParaRPr lang="ru-RU" dirty="0"/>
+          </a:p>
+          <a:p>
+            <a:endParaRPr lang="ru-RU" dirty="0"/>
+          </a:p>
+        </p:txBody>
+      </p:sp>
+      <p:pic>
+        <p:nvPicPr>
+          <p:cNvPr id="15" name="Рисунок 14">
+            <a:extLst>
+              <a:ext uri="{FF2B5EF4-FFF2-40B4-BE49-F238E27FC236}">
+                <a16:creationId xmlns:a16="http://schemas.microsoft.com/office/drawing/2014/main" id="{561A04F9-6AB9-BD7D-AAFD-66E119685EEC}"/>
+              </a:ext>
+            </a:extLst>
+          </p:cNvPr>
+          <p:cNvPicPr>
+            <a:picLocks noChangeAspect="1"/>
+          </p:cNvPicPr>
+          <p:nvPr/>
+        </p:nvPicPr>
+        <p:blipFill rotWithShape="1">
+          <a:blip r:embed="rId5">
+            <a:extLst>
+              <a:ext uri="{28A0092B-C50C-407E-A947-70E740481C1C}">
+                <a14:useLocalDpi xmlns:a14="http://schemas.microsoft.com/office/drawing/2010/main" val="0"/>
+              </a:ext>
+            </a:extLst>
+          </a:blip>
+          <a:srcRect l="30405" t="34471" r="29572" b="31183"/>
+          <a:stretch/>
+        </p:blipFill>
+        <p:spPr>
+          <a:xfrm>
+            <a:off x="1195701" y="3501622"/>
+            <a:ext cx="2561793" cy="2198444"/>
+          </a:xfrm>
+          <a:prstGeom prst="rect">
+            <a:avLst/>
+          </a:prstGeom>
+        </p:spPr>
+      </p:pic>
+      <p:sp>
+        <p:nvSpPr>
+          <p:cNvPr id="16" name="TextBox 15">
+            <a:extLst>
+              <a:ext uri="{FF2B5EF4-FFF2-40B4-BE49-F238E27FC236}">
+                <a16:creationId xmlns:a16="http://schemas.microsoft.com/office/drawing/2014/main" id="{624AD1BC-B61A-5AE3-7CD0-BAD8BB82136D}"/>
+              </a:ext>
+            </a:extLst>
+          </p:cNvPr>
+          <p:cNvSpPr txBox="1"/>
+          <p:nvPr/>
+        </p:nvSpPr>
+        <p:spPr>
+          <a:xfrm>
+            <a:off x="1278256" y="5376900"/>
+            <a:ext cx="2396682" cy="646331"/>
+          </a:xfrm>
+          <a:prstGeom prst="rect">
+            <a:avLst/>
+          </a:prstGeom>
+          <a:noFill/>
+        </p:spPr>
+        <p:txBody>
+          <a:bodyPr wrap="none" rtlCol="0">
+            <a:spAutoFit/>
+          </a:bodyPr>
+          <a:lstStyle/>
+          <a:p>
+            <a:pPr algn="ctr"/>
+            <a:r>
+              <a:rPr lang="en-US" dirty="0"/>
+              <a:t>PDW</a:t>
+            </a:r>
+          </a:p>
+          <a:p>
+            <a:pPr algn="ctr"/>
+            <a:r>
+              <a:rPr lang="ru-RU" dirty="0"/>
+              <a:t>Степень тяжести по КТ</a:t>
+            </a:r>
+          </a:p>
+        </p:txBody>
+      </p:sp>
+      <p:sp>
+        <p:nvSpPr>
+          <p:cNvPr id="17" name="TextBox 16">
+            <a:extLst>
+              <a:ext uri="{FF2B5EF4-FFF2-40B4-BE49-F238E27FC236}">
+                <a16:creationId xmlns:a16="http://schemas.microsoft.com/office/drawing/2014/main" id="{51D8FC7E-DCBB-2D21-2A28-6415B1E6A039}"/>
+              </a:ext>
+            </a:extLst>
+          </p:cNvPr>
+          <p:cNvSpPr txBox="1"/>
+          <p:nvPr/>
+        </p:nvSpPr>
+        <p:spPr>
+          <a:xfrm>
+            <a:off x="630731" y="157623"/>
+            <a:ext cx="8223544" cy="461665"/>
+          </a:xfrm>
+          <a:prstGeom prst="rect">
+            <a:avLst/>
+          </a:prstGeom>
+          <a:noFill/>
+        </p:spPr>
+        <p:txBody>
+          <a:bodyPr wrap="square" rtlCol="0">
+            <a:spAutoFit/>
+          </a:bodyPr>
+          <a:lstStyle/>
+          <a:p>
+            <a:r>
+              <a:rPr lang="ru-RU" sz="2400" b="1" i="1" dirty="0"/>
+              <a:t>Собранные фреймворком </a:t>
+            </a:r>
+            <a:r>
+              <a:rPr lang="ru-RU" sz="2400" b="1" i="1" dirty="0" err="1"/>
+              <a:t>пайплайны</a:t>
+            </a:r>
+            <a:r>
+              <a:rPr lang="ru-RU" sz="2400" b="1" i="1" dirty="0"/>
+              <a:t> </a:t>
+            </a:r>
+            <a:endParaRPr lang="en-US" sz="2400" b="1" i="1" dirty="0"/>
+          </a:p>
+        </p:txBody>
+      </p:sp>
     </p:spTree>
     <p:extLst>
       <p:ext uri="{BB962C8B-B14F-4D97-AF65-F5344CB8AC3E}">
-        <p14:creationId xmlns:p14="http://schemas.microsoft.com/office/powerpoint/2010/main" val="1445426009"/>
+        <p14:creationId xmlns:p14="http://schemas.microsoft.com/office/powerpoint/2010/main" val="2025470999"/>
       </p:ext>
     </p:extLst>
   </p:cSld>
@@ -3905,6 +4292,652 @@
           <p:cNvPr id="2" name="Заголовок 1">
             <a:extLst>
               <a:ext uri="{FF2B5EF4-FFF2-40B4-BE49-F238E27FC236}">
+                <a16:creationId xmlns:a16="http://schemas.microsoft.com/office/drawing/2014/main" id="{DC296086-1E9C-CC9C-B510-079ADADE4BCE}"/>
+              </a:ext>
+            </a:extLst>
+          </p:cNvPr>
+          <p:cNvSpPr>
+            <a:spLocks noGrp="1"/>
+          </p:cNvSpPr>
+          <p:nvPr>
+            <p:ph type="title"/>
+          </p:nvPr>
+        </p:nvSpPr>
+        <p:spPr/>
+        <p:txBody>
+          <a:bodyPr/>
+          <a:lstStyle/>
+          <a:p>
+            <a:endParaRPr lang="ru-RU"/>
+          </a:p>
+        </p:txBody>
+      </p:sp>
+      <p:sp>
+        <p:nvSpPr>
+          <p:cNvPr id="3" name="Объект 2">
+            <a:extLst>
+              <a:ext uri="{FF2B5EF4-FFF2-40B4-BE49-F238E27FC236}">
+                <a16:creationId xmlns:a16="http://schemas.microsoft.com/office/drawing/2014/main" id="{237B571A-F0A7-D759-D128-C3CDD2A08965}"/>
+              </a:ext>
+            </a:extLst>
+          </p:cNvPr>
+          <p:cNvSpPr>
+            <a:spLocks noGrp="1"/>
+          </p:cNvSpPr>
+          <p:nvPr>
+            <p:ph idx="1"/>
+          </p:nvPr>
+        </p:nvSpPr>
+        <p:spPr/>
+        <p:txBody>
+          <a:bodyPr/>
+          <a:lstStyle/>
+          <a:p>
+            <a:endParaRPr lang="ru-RU"/>
+          </a:p>
+        </p:txBody>
+      </p:sp>
+      <p:sp>
+        <p:nvSpPr>
+          <p:cNvPr id="12" name="TextBox 11">
+            <a:extLst>
+              <a:ext uri="{FF2B5EF4-FFF2-40B4-BE49-F238E27FC236}">
+                <a16:creationId xmlns:a16="http://schemas.microsoft.com/office/drawing/2014/main" id="{CEFAE501-A032-4E6A-C5FA-2AED5518614F}"/>
+              </a:ext>
+            </a:extLst>
+          </p:cNvPr>
+          <p:cNvSpPr txBox="1"/>
+          <p:nvPr/>
+        </p:nvSpPr>
+        <p:spPr>
+          <a:xfrm>
+            <a:off x="2527962" y="103515"/>
+            <a:ext cx="6357381" cy="523220"/>
+          </a:xfrm>
+          <a:prstGeom prst="rect">
+            <a:avLst/>
+          </a:prstGeom>
+          <a:noFill/>
+        </p:spPr>
+        <p:txBody>
+          <a:bodyPr wrap="none" rtlCol="0">
+            <a:spAutoFit/>
+          </a:bodyPr>
+          <a:lstStyle/>
+          <a:p>
+            <a:r>
+              <a:rPr lang="ru-RU" sz="2800" i="1" dirty="0"/>
+              <a:t>Лучшие результаты фреймворка </a:t>
+            </a:r>
+            <a:r>
+              <a:rPr lang="en-US" sz="2800" i="1" dirty="0" err="1"/>
+              <a:t>Fedot</a:t>
+            </a:r>
+            <a:endParaRPr lang="en-US" sz="2800" i="1" dirty="0"/>
+          </a:p>
+        </p:txBody>
+      </p:sp>
+      <p:pic>
+        <p:nvPicPr>
+          <p:cNvPr id="14" name="Рисунок 13">
+            <a:extLst>
+              <a:ext uri="{FF2B5EF4-FFF2-40B4-BE49-F238E27FC236}">
+                <a16:creationId xmlns:a16="http://schemas.microsoft.com/office/drawing/2014/main" id="{DA516396-AD7D-2C38-D7A1-B86A296E7D19}"/>
+              </a:ext>
+            </a:extLst>
+          </p:cNvPr>
+          <p:cNvPicPr>
+            <a:picLocks noChangeAspect="1"/>
+          </p:cNvPicPr>
+          <p:nvPr/>
+        </p:nvPicPr>
+        <p:blipFill>
+          <a:blip r:embed="rId2"/>
+          <a:stretch>
+            <a:fillRect/>
+          </a:stretch>
+        </p:blipFill>
+        <p:spPr>
+          <a:xfrm>
+            <a:off x="1882184" y="888345"/>
+            <a:ext cx="7648936" cy="5312544"/>
+          </a:xfrm>
+          <a:prstGeom prst="rect">
+            <a:avLst/>
+          </a:prstGeom>
+        </p:spPr>
+      </p:pic>
+    </p:spTree>
+    <p:extLst>
+      <p:ext uri="{BB962C8B-B14F-4D97-AF65-F5344CB8AC3E}">
+        <p14:creationId xmlns:p14="http://schemas.microsoft.com/office/powerpoint/2010/main" val="1445426009"/>
+      </p:ext>
+    </p:extLst>
+  </p:cSld>
+  <p:clrMapOvr>
+    <a:masterClrMapping/>
+  </p:clrMapOvr>
+</p:sld>
+</file>
+
+<file path=ppt/slides/slide12.xml><?xml version="1.0" encoding="utf-8"?>
+<p:sld xmlns:a="http://schemas.openxmlformats.org/drawingml/2006/main" xmlns:r="http://schemas.openxmlformats.org/officeDocument/2006/relationships" xmlns:p="http://schemas.openxmlformats.org/presentationml/2006/main">
+  <p:cSld>
+    <p:spTree>
+      <p:nvGrpSpPr>
+        <p:cNvPr id="1" name=""/>
+        <p:cNvGrpSpPr/>
+        <p:nvPr/>
+      </p:nvGrpSpPr>
+      <p:grpSpPr>
+        <a:xfrm>
+          <a:off x="0" y="0"/>
+          <a:ext cx="0" cy="0"/>
+          <a:chOff x="0" y="0"/>
+          <a:chExt cx="0" cy="0"/>
+        </a:xfrm>
+      </p:grpSpPr>
+      <p:sp>
+        <p:nvSpPr>
+          <p:cNvPr id="2" name="Заголовок 1">
+            <a:extLst>
+              <a:ext uri="{FF2B5EF4-FFF2-40B4-BE49-F238E27FC236}">
+                <a16:creationId xmlns:a16="http://schemas.microsoft.com/office/drawing/2014/main" id="{78749C94-D465-3815-C968-ED40F9315FB6}"/>
+              </a:ext>
+            </a:extLst>
+          </p:cNvPr>
+          <p:cNvSpPr>
+            <a:spLocks noGrp="1"/>
+          </p:cNvSpPr>
+          <p:nvPr>
+            <p:ph type="title"/>
+          </p:nvPr>
+        </p:nvSpPr>
+        <p:spPr/>
+        <p:txBody>
+          <a:bodyPr/>
+          <a:lstStyle/>
+          <a:p>
+            <a:endParaRPr lang="ru-RU"/>
+          </a:p>
+        </p:txBody>
+      </p:sp>
+      <p:sp>
+        <p:nvSpPr>
+          <p:cNvPr id="3" name="Объект 2">
+            <a:extLst>
+              <a:ext uri="{FF2B5EF4-FFF2-40B4-BE49-F238E27FC236}">
+                <a16:creationId xmlns:a16="http://schemas.microsoft.com/office/drawing/2014/main" id="{ED7188B0-05E5-40BB-4A28-C0A8A23D62FA}"/>
+              </a:ext>
+            </a:extLst>
+          </p:cNvPr>
+          <p:cNvSpPr>
+            <a:spLocks noGrp="1"/>
+          </p:cNvSpPr>
+          <p:nvPr>
+            <p:ph idx="1"/>
+          </p:nvPr>
+        </p:nvSpPr>
+        <p:spPr/>
+        <p:txBody>
+          <a:bodyPr/>
+          <a:lstStyle/>
+          <a:p>
+            <a:endParaRPr lang="ru-RU"/>
+          </a:p>
+        </p:txBody>
+      </p:sp>
+      <p:sp>
+        <p:nvSpPr>
+          <p:cNvPr id="6" name="TextBox 5">
+            <a:extLst>
+              <a:ext uri="{FF2B5EF4-FFF2-40B4-BE49-F238E27FC236}">
+                <a16:creationId xmlns:a16="http://schemas.microsoft.com/office/drawing/2014/main" id="{B37D9D0A-46F8-F909-4218-1B154E68DA23}"/>
+              </a:ext>
+            </a:extLst>
+          </p:cNvPr>
+          <p:cNvSpPr txBox="1"/>
+          <p:nvPr/>
+        </p:nvSpPr>
+        <p:spPr>
+          <a:xfrm>
+            <a:off x="1984228" y="290476"/>
+            <a:ext cx="8223544" cy="523220"/>
+          </a:xfrm>
+          <a:prstGeom prst="rect">
+            <a:avLst/>
+          </a:prstGeom>
+          <a:noFill/>
+        </p:spPr>
+        <p:txBody>
+          <a:bodyPr wrap="square" rtlCol="0">
+            <a:spAutoFit/>
+          </a:bodyPr>
+          <a:lstStyle/>
+          <a:p>
+            <a:pPr algn="ctr"/>
+            <a:r>
+              <a:rPr lang="ru-RU" sz="2800" i="1" dirty="0"/>
+              <a:t>Сравнение результатов </a:t>
+            </a:r>
+            <a:r>
+              <a:rPr lang="en-US" sz="2800" i="1" dirty="0" err="1"/>
+              <a:t>Fedot</a:t>
+            </a:r>
+            <a:r>
+              <a:rPr lang="ru-RU" sz="2800" i="1" dirty="0"/>
+              <a:t> и </a:t>
+            </a:r>
+            <a:r>
+              <a:rPr lang="en-US" sz="2800" i="1" dirty="0"/>
+              <a:t>NN</a:t>
+            </a:r>
+          </a:p>
+        </p:txBody>
+      </p:sp>
+      <p:pic>
+        <p:nvPicPr>
+          <p:cNvPr id="8" name="Рисунок 7">
+            <a:extLst>
+              <a:ext uri="{FF2B5EF4-FFF2-40B4-BE49-F238E27FC236}">
+                <a16:creationId xmlns:a16="http://schemas.microsoft.com/office/drawing/2014/main" id="{DC5FD4A8-517F-BFBD-64B3-A47E8129C3D6}"/>
+              </a:ext>
+            </a:extLst>
+          </p:cNvPr>
+          <p:cNvPicPr>
+            <a:picLocks noChangeAspect="1"/>
+          </p:cNvPicPr>
+          <p:nvPr/>
+        </p:nvPicPr>
+        <p:blipFill>
+          <a:blip r:embed="rId2"/>
+          <a:stretch>
+            <a:fillRect/>
+          </a:stretch>
+        </p:blipFill>
+        <p:spPr>
+          <a:xfrm>
+            <a:off x="428939" y="1186360"/>
+            <a:ext cx="11334122" cy="4351338"/>
+          </a:xfrm>
+          <a:prstGeom prst="rect">
+            <a:avLst/>
+          </a:prstGeom>
+        </p:spPr>
+      </p:pic>
+    </p:spTree>
+    <p:extLst>
+      <p:ext uri="{BB962C8B-B14F-4D97-AF65-F5344CB8AC3E}">
+        <p14:creationId xmlns:p14="http://schemas.microsoft.com/office/powerpoint/2010/main" val="2401922207"/>
+      </p:ext>
+    </p:extLst>
+  </p:cSld>
+  <p:clrMapOvr>
+    <a:masterClrMapping/>
+  </p:clrMapOvr>
+</p:sld>
+</file>
+
+<file path=ppt/slides/slide13.xml><?xml version="1.0" encoding="utf-8"?>
+<p:sld xmlns:a="http://schemas.openxmlformats.org/drawingml/2006/main" xmlns:r="http://schemas.openxmlformats.org/officeDocument/2006/relationships" xmlns:p="http://schemas.openxmlformats.org/presentationml/2006/main">
+  <p:cSld>
+    <p:spTree>
+      <p:nvGrpSpPr>
+        <p:cNvPr id="1" name=""/>
+        <p:cNvGrpSpPr/>
+        <p:nvPr/>
+      </p:nvGrpSpPr>
+      <p:grpSpPr>
+        <a:xfrm>
+          <a:off x="0" y="0"/>
+          <a:ext cx="0" cy="0"/>
+          <a:chOff x="0" y="0"/>
+          <a:chExt cx="0" cy="0"/>
+        </a:xfrm>
+      </p:grpSpPr>
+      <p:sp>
+        <p:nvSpPr>
+          <p:cNvPr id="2" name="Заголовок 1">
+            <a:extLst>
+              <a:ext uri="{FF2B5EF4-FFF2-40B4-BE49-F238E27FC236}">
+                <a16:creationId xmlns:a16="http://schemas.microsoft.com/office/drawing/2014/main" id="{4E390A06-A993-BC0C-7CB3-B414557E592C}"/>
+              </a:ext>
+            </a:extLst>
+          </p:cNvPr>
+          <p:cNvSpPr>
+            <a:spLocks noGrp="1"/>
+          </p:cNvSpPr>
+          <p:nvPr>
+            <p:ph type="title"/>
+          </p:nvPr>
+        </p:nvSpPr>
+        <p:spPr/>
+        <p:txBody>
+          <a:bodyPr/>
+          <a:lstStyle/>
+          <a:p>
+            <a:r>
+              <a:rPr lang="ru-RU" dirty="0"/>
+              <a:t>Результаты </a:t>
+            </a:r>
+            <a:r>
+              <a:rPr lang="en-US" dirty="0" err="1"/>
+              <a:t>Fedot</a:t>
+            </a:r>
+            <a:r>
+              <a:rPr lang="en-US" dirty="0"/>
+              <a:t> </a:t>
+            </a:r>
+            <a:r>
+              <a:rPr lang="en-US" dirty="0" err="1"/>
+              <a:t>AutoML</a:t>
+            </a:r>
+            <a:endParaRPr lang="ru-RU" dirty="0"/>
+          </a:p>
+        </p:txBody>
+      </p:sp>
+      <p:sp>
+        <p:nvSpPr>
+          <p:cNvPr id="3" name="Объект 2">
+            <a:extLst>
+              <a:ext uri="{FF2B5EF4-FFF2-40B4-BE49-F238E27FC236}">
+                <a16:creationId xmlns:a16="http://schemas.microsoft.com/office/drawing/2014/main" id="{CDCF61CF-E930-C800-3288-45DA9D716F3E}"/>
+              </a:ext>
+            </a:extLst>
+          </p:cNvPr>
+          <p:cNvSpPr>
+            <a:spLocks noGrp="1"/>
+          </p:cNvSpPr>
+          <p:nvPr>
+            <p:ph idx="1"/>
+          </p:nvPr>
+        </p:nvSpPr>
+        <p:spPr/>
+        <p:txBody>
+          <a:bodyPr/>
+          <a:lstStyle/>
+          <a:p>
+            <a:r>
+              <a:rPr lang="ru-RU" dirty="0"/>
+              <a:t>Было создано 52 </a:t>
+            </a:r>
+            <a:r>
+              <a:rPr lang="ru-RU" dirty="0" err="1"/>
+              <a:t>пайплайна</a:t>
+            </a:r>
+            <a:r>
+              <a:rPr lang="ru-RU" dirty="0"/>
+              <a:t> для всех параметров и размеров окон данных для прогнозирования. </a:t>
+            </a:r>
+            <a:r>
+              <a:rPr lang="ru-RU" dirty="0" err="1"/>
+              <a:t>Пайплайны</a:t>
+            </a:r>
+            <a:r>
+              <a:rPr lang="ru-RU" dirty="0"/>
+              <a:t> сохранены в директориях </a:t>
+            </a:r>
+            <a:r>
+              <a:rPr lang="en-US" dirty="0" err="1"/>
+              <a:t>fedot_w</a:t>
+            </a:r>
+            <a:r>
+              <a:rPr lang="en-US" dirty="0"/>
+              <a:t>{</a:t>
+            </a:r>
+            <a:r>
+              <a:rPr lang="ru-RU" dirty="0"/>
+              <a:t>длина окна</a:t>
+            </a:r>
+            <a:r>
+              <a:rPr lang="en-US" dirty="0"/>
+              <a:t>}</a:t>
+            </a:r>
+            <a:r>
+              <a:rPr lang="ru-RU" dirty="0"/>
+              <a:t> и могут быть загружены с помощью </a:t>
+            </a:r>
+            <a:r>
+              <a:rPr lang="en-US" i="1" dirty="0" err="1"/>
+              <a:t>model.load</a:t>
+            </a:r>
+            <a:r>
+              <a:rPr lang="en-US" i="1" dirty="0"/>
+              <a:t>(“</a:t>
+            </a:r>
+            <a:r>
+              <a:rPr lang="en-US" i="1" dirty="0" err="1"/>
+              <a:t>fedot_w</a:t>
+            </a:r>
+            <a:r>
+              <a:rPr lang="en-US" i="1" dirty="0"/>
+              <a:t>{3}/</a:t>
+            </a:r>
+            <a:r>
+              <a:rPr lang="en-US" i="1" dirty="0" err="1"/>
+              <a:t>fedot_regression_param</a:t>
+            </a:r>
+            <a:r>
+              <a:rPr lang="en-US" i="1" dirty="0"/>
+              <a:t>_{</a:t>
+            </a:r>
+            <a:r>
+              <a:rPr lang="ru-RU" i="1" dirty="0"/>
+              <a:t>номер параметра</a:t>
+            </a:r>
+            <a:r>
+              <a:rPr lang="en-US" i="1" dirty="0"/>
+              <a:t>}.</a:t>
+            </a:r>
+            <a:r>
+              <a:rPr lang="en-US" i="1" dirty="0" err="1"/>
+              <a:t>json</a:t>
+            </a:r>
+            <a:r>
+              <a:rPr lang="en-US" i="1" dirty="0"/>
+              <a:t>”)</a:t>
+            </a:r>
+          </a:p>
+          <a:p>
+            <a:r>
+              <a:rPr lang="ru-RU" dirty="0"/>
+              <a:t>Результаты моделей на тестовой выборке превосходят результаты нейросетей почти по всем параметрам. </a:t>
+            </a:r>
+            <a:endParaRPr lang="en-US" dirty="0"/>
+          </a:p>
+          <a:p>
+            <a:endParaRPr lang="en-US" dirty="0"/>
+          </a:p>
+          <a:p>
+            <a:endParaRPr lang="ru-RU" dirty="0"/>
+          </a:p>
+          <a:p>
+            <a:endParaRPr lang="ru-RU" dirty="0"/>
+          </a:p>
+        </p:txBody>
+      </p:sp>
+    </p:spTree>
+    <p:extLst>
+      <p:ext uri="{BB962C8B-B14F-4D97-AF65-F5344CB8AC3E}">
+        <p14:creationId xmlns:p14="http://schemas.microsoft.com/office/powerpoint/2010/main" val="33251273"/>
+      </p:ext>
+    </p:extLst>
+  </p:cSld>
+  <p:clrMapOvr>
+    <a:masterClrMapping/>
+  </p:clrMapOvr>
+</p:sld>
+</file>
+
+<file path=ppt/slides/slide14.xml><?xml version="1.0" encoding="utf-8"?>
+<p:sld xmlns:a="http://schemas.openxmlformats.org/drawingml/2006/main" xmlns:r="http://schemas.openxmlformats.org/officeDocument/2006/relationships" xmlns:p="http://schemas.openxmlformats.org/presentationml/2006/main">
+  <p:cSld>
+    <p:spTree>
+      <p:nvGrpSpPr>
+        <p:cNvPr id="1" name=""/>
+        <p:cNvGrpSpPr/>
+        <p:nvPr/>
+      </p:nvGrpSpPr>
+      <p:grpSpPr>
+        <a:xfrm>
+          <a:off x="0" y="0"/>
+          <a:ext cx="0" cy="0"/>
+          <a:chOff x="0" y="0"/>
+          <a:chExt cx="0" cy="0"/>
+        </a:xfrm>
+      </p:grpSpPr>
+      <p:sp>
+        <p:nvSpPr>
+          <p:cNvPr id="2" name="Заголовок 1">
+            <a:extLst>
+              <a:ext uri="{FF2B5EF4-FFF2-40B4-BE49-F238E27FC236}">
+                <a16:creationId xmlns:a16="http://schemas.microsoft.com/office/drawing/2014/main" id="{48F0ED9D-EE93-1E9A-F660-994A437CA510}"/>
+              </a:ext>
+            </a:extLst>
+          </p:cNvPr>
+          <p:cNvSpPr>
+            <a:spLocks noGrp="1"/>
+          </p:cNvSpPr>
+          <p:nvPr>
+            <p:ph type="title"/>
+          </p:nvPr>
+        </p:nvSpPr>
+        <p:spPr/>
+        <p:txBody>
+          <a:bodyPr/>
+          <a:lstStyle/>
+          <a:p>
+            <a:endParaRPr lang="ru-RU" dirty="0"/>
+          </a:p>
+        </p:txBody>
+      </p:sp>
+      <p:sp>
+        <p:nvSpPr>
+          <p:cNvPr id="3" name="Объект 2">
+            <a:extLst>
+              <a:ext uri="{FF2B5EF4-FFF2-40B4-BE49-F238E27FC236}">
+                <a16:creationId xmlns:a16="http://schemas.microsoft.com/office/drawing/2014/main" id="{BF2188D5-1236-5C6A-3EF5-72D7DDE03D49}"/>
+              </a:ext>
+            </a:extLst>
+          </p:cNvPr>
+          <p:cNvSpPr>
+            <a:spLocks noGrp="1"/>
+          </p:cNvSpPr>
+          <p:nvPr>
+            <p:ph idx="1"/>
+          </p:nvPr>
+        </p:nvSpPr>
+        <p:spPr/>
+        <p:txBody>
+          <a:bodyPr/>
+          <a:lstStyle/>
+          <a:p>
+            <a:endParaRPr lang="ru-RU"/>
+          </a:p>
+        </p:txBody>
+      </p:sp>
+      <p:pic>
+        <p:nvPicPr>
+          <p:cNvPr id="5" name="Рисунок 4">
+            <a:extLst>
+              <a:ext uri="{FF2B5EF4-FFF2-40B4-BE49-F238E27FC236}">
+                <a16:creationId xmlns:a16="http://schemas.microsoft.com/office/drawing/2014/main" id="{59591694-2915-D731-41C1-BDE144A31E67}"/>
+              </a:ext>
+            </a:extLst>
+          </p:cNvPr>
+          <p:cNvPicPr>
+            <a:picLocks noChangeAspect="1"/>
+          </p:cNvPicPr>
+          <p:nvPr/>
+        </p:nvPicPr>
+        <p:blipFill>
+          <a:blip r:embed="rId2"/>
+          <a:stretch>
+            <a:fillRect/>
+          </a:stretch>
+        </p:blipFill>
+        <p:spPr>
+          <a:xfrm>
+            <a:off x="1909762" y="1027906"/>
+            <a:ext cx="8372475" cy="4775127"/>
+          </a:xfrm>
+          <a:prstGeom prst="rect">
+            <a:avLst/>
+          </a:prstGeom>
+        </p:spPr>
+      </p:pic>
+      <p:sp>
+        <p:nvSpPr>
+          <p:cNvPr id="6" name="TextBox 5">
+            <a:extLst>
+              <a:ext uri="{FF2B5EF4-FFF2-40B4-BE49-F238E27FC236}">
+                <a16:creationId xmlns:a16="http://schemas.microsoft.com/office/drawing/2014/main" id="{79CFE2A2-502B-07B1-A579-9D328D1D769F}"/>
+              </a:ext>
+            </a:extLst>
+          </p:cNvPr>
+          <p:cNvSpPr txBox="1"/>
+          <p:nvPr/>
+        </p:nvSpPr>
+        <p:spPr>
+          <a:xfrm>
+            <a:off x="1984228" y="290476"/>
+            <a:ext cx="8223544" cy="461665"/>
+          </a:xfrm>
+          <a:prstGeom prst="rect">
+            <a:avLst/>
+          </a:prstGeom>
+          <a:noFill/>
+        </p:spPr>
+        <p:txBody>
+          <a:bodyPr wrap="square" rtlCol="0">
+            <a:spAutoFit/>
+          </a:bodyPr>
+          <a:lstStyle/>
+          <a:p>
+            <a:pPr algn="ctr"/>
+            <a:r>
+              <a:rPr lang="ru-RU" sz="2400" i="1" dirty="0"/>
+              <a:t>Лучшие результаты предсказания по моделям</a:t>
+            </a:r>
+            <a:endParaRPr lang="en-US" sz="2400" i="1" dirty="0"/>
+          </a:p>
+        </p:txBody>
+      </p:sp>
+    </p:spTree>
+    <p:extLst>
+      <p:ext uri="{BB962C8B-B14F-4D97-AF65-F5344CB8AC3E}">
+        <p14:creationId xmlns:p14="http://schemas.microsoft.com/office/powerpoint/2010/main" val="2168943680"/>
+      </p:ext>
+    </p:extLst>
+  </p:cSld>
+  <p:clrMapOvr>
+    <a:masterClrMapping/>
+  </p:clrMapOvr>
+</p:sld>
+</file>
+
+<file path=ppt/slides/slide15.xml><?xml version="1.0" encoding="utf-8"?>
+<p:sld xmlns:a="http://schemas.openxmlformats.org/drawingml/2006/main" xmlns:r="http://schemas.openxmlformats.org/officeDocument/2006/relationships" xmlns:p="http://schemas.openxmlformats.org/presentationml/2006/main">
+  <p:cSld>
+    <p:spTree>
+      <p:nvGrpSpPr>
+        <p:cNvPr id="1" name=""/>
+        <p:cNvGrpSpPr/>
+        <p:nvPr/>
+      </p:nvGrpSpPr>
+      <p:grpSpPr>
+        <a:xfrm>
+          <a:off x="0" y="0"/>
+          <a:ext cx="0" cy="0"/>
+          <a:chOff x="0" y="0"/>
+          <a:chExt cx="0" cy="0"/>
+        </a:xfrm>
+      </p:grpSpPr>
+      <p:sp>
+        <p:nvSpPr>
+          <p:cNvPr id="2" name="Заголовок 1">
+            <a:extLst>
+              <a:ext uri="{FF2B5EF4-FFF2-40B4-BE49-F238E27FC236}">
                 <a16:creationId xmlns:a16="http://schemas.microsoft.com/office/drawing/2014/main" id="{AD70C028-4438-4989-A8BE-1B59DAEB2437}"/>
               </a:ext>
             </a:extLst>
@@ -3952,16 +4985,47 @@
         </p:spPr>
         <p:txBody>
           <a:bodyPr>
-            <a:normAutofit/>
+            <a:normAutofit lnSpcReduction="10000"/>
           </a:bodyPr>
           <a:lstStyle/>
           <a:p>
-            <a:pPr marL="0" indent="0">
-              <a:buNone/>
-            </a:pPr>
             <a:r>
               <a:rPr lang="ru-RU" sz="2400" dirty="0"/>
-              <a:t>В ходе экспериментов я смог добиться предсказания 8</a:t>
+              <a:t>В ходе экспериментов я смог построить модели, которые предсказывают следующий этап истории заболевания </a:t>
+            </a:r>
+            <a:r>
+              <a:rPr lang="en-US" sz="2400" dirty="0"/>
+              <a:t>COVID-19</a:t>
+            </a:r>
+            <a:r>
+              <a:rPr lang="ru-RU" sz="2400" dirty="0"/>
+              <a:t> с помощью </a:t>
+            </a:r>
+            <a:r>
+              <a:rPr lang="ru-RU" sz="2400" dirty="0" err="1"/>
+              <a:t>пайплайнов</a:t>
+            </a:r>
+            <a:r>
+              <a:rPr lang="ru-RU" sz="2400" dirty="0"/>
+              <a:t> из классических моделей и с помощью </a:t>
+            </a:r>
+            <a:r>
+              <a:rPr lang="ru-RU" sz="2400" dirty="0" err="1"/>
+              <a:t>реккурентных</a:t>
+            </a:r>
+            <a:r>
+              <a:rPr lang="ru-RU" sz="2400" dirty="0"/>
+              <a:t> нейросетей. Мне удалось добиться предсказания 11 из 13 параметров с долей объяснённой дисперсией больше 0.7. </a:t>
+            </a:r>
+          </a:p>
+          <a:p>
+            <a:r>
+              <a:rPr lang="ru-RU" sz="2400" dirty="0"/>
+              <a:t>Модели, построенные с помощью </a:t>
+            </a:r>
+            <a:r>
+              <a:rPr lang="en-US" sz="2400" dirty="0" err="1"/>
+              <a:t>AutoML</a:t>
             </a:r>
             <a:r>
               <a:rPr lang="en-US" sz="2400" dirty="0"/>
@@ -3969,48 +5033,25 @@
             </a:r>
             <a:r>
               <a:rPr lang="ru-RU" sz="2400" dirty="0"/>
-              <a:t>из 13 параметров из истории заболевания с помощью нейросетей с долей объяснённой дисперсией больше 0.5. В частности модели, построенные из</a:t>
+              <a:t>фреймворка </a:t>
+            </a:r>
+            <a:r>
+              <a:rPr lang="en-US" sz="2400" dirty="0" err="1"/>
+              <a:t>Fedot</a:t>
             </a:r>
             <a:r>
               <a:rPr lang="en-US" sz="2400" dirty="0"/>
-              <a:t> LSTM </a:t>
+              <a:t> </a:t>
             </a:r>
             <a:r>
               <a:rPr lang="ru-RU" sz="2400" dirty="0"/>
-              <a:t>и </a:t>
-            </a:r>
-            <a:r>
-              <a:rPr lang="en-US" sz="2400" dirty="0"/>
-              <a:t>GRU</a:t>
-            </a:r>
+              <a:t>показали лучший результат в сравнении с нейросетями. Это можно объяснить более сложной оптимизацией параметров и подбором методов нормализации.</a:t>
+            </a:r>
+          </a:p>
+          <a:p>
             <a:r>
               <a:rPr lang="ru-RU" sz="2400" dirty="0"/>
-              <a:t> и их комбинаций показали лучшие результаты. Обучение на </a:t>
-            </a:r>
-            <a:r>
-              <a:rPr lang="ru-RU" sz="2400" dirty="0" err="1"/>
-              <a:t>батчах</a:t>
-            </a:r>
-            <a:r>
-              <a:rPr lang="ru-RU" sz="2400" dirty="0"/>
-              <a:t> по 4 </a:t>
-            </a:r>
-            <a:r>
-              <a:rPr lang="ru-RU" sz="2400" dirty="0" err="1"/>
-              <a:t>сэмпла</a:t>
-            </a:r>
-            <a:r>
-              <a:rPr lang="ru-RU" sz="2400" dirty="0"/>
-              <a:t> также помогло улучшить результат.</a:t>
-            </a:r>
-          </a:p>
-          <a:p>
-            <a:pPr marL="0" indent="0">
-              <a:buNone/>
-            </a:pPr>
-            <a:r>
-              <a:rPr lang="ru-RU" sz="2400" dirty="0"/>
-              <a:t>Относительно данных можно сделать вывод, что разбиение последовательностей на окна по 3 дает лучший результат регрессии. Дополнительное применение статичных данных помогло улучшить результат только для предсказания с окном 2, но не позволило получить максимально возможный результат. </a:t>
+              <a:t>Относительно данных можно сделать вывод, что разбиение последовательностей на окна по 3 записи дает лучший результат регрессии. Дополнительное применение статичных данных не позволило получить лучший результат.</a:t>
             </a:r>
           </a:p>
           <a:p>
@@ -4640,34 +5681,6 @@
       </p:grpSpPr>
       <p:sp>
         <p:nvSpPr>
-          <p:cNvPr id="4" name="Заголовок 3">
-            <a:extLst>
-              <a:ext uri="{FF2B5EF4-FFF2-40B4-BE49-F238E27FC236}">
-                <a16:creationId xmlns:a16="http://schemas.microsoft.com/office/drawing/2014/main" id="{D1C631DD-6504-7D31-C822-C9D80BBFF465}"/>
-              </a:ext>
-            </a:extLst>
-          </p:cNvPr>
-          <p:cNvSpPr>
-            <a:spLocks noGrp="1"/>
-          </p:cNvSpPr>
-          <p:nvPr>
-            <p:ph type="title"/>
-          </p:nvPr>
-        </p:nvSpPr>
-        <p:spPr/>
-        <p:txBody>
-          <a:bodyPr/>
-          <a:lstStyle/>
-          <a:p>
-            <a:r>
-              <a:rPr lang="ru-RU" dirty="0"/>
-              <a:t>Используемые модели</a:t>
-            </a:r>
-          </a:p>
-        </p:txBody>
-      </p:sp>
-      <p:sp>
-        <p:nvSpPr>
           <p:cNvPr id="12" name="TextBox 11">
             <a:extLst>
               <a:ext uri="{FF2B5EF4-FFF2-40B4-BE49-F238E27FC236}">
@@ -4680,8 +5693,8 @@
         </p:nvSpPr>
         <p:spPr>
           <a:xfrm>
-            <a:off x="297100" y="1370311"/>
-            <a:ext cx="11597800" cy="2585323"/>
+            <a:off x="209572" y="493499"/>
+            <a:ext cx="11685328" cy="2677656"/>
           </a:xfrm>
           <a:prstGeom prst="rect">
             <a:avLst/>
@@ -4694,151 +5707,123 @@
           </a:bodyPr>
           <a:lstStyle/>
           <a:p>
-            <a:r>
-              <a:rPr lang="ru-RU" i="1" dirty="0"/>
+            <a:pPr algn="just"/>
+            <a:r>
+              <a:rPr lang="ru-RU" sz="2400" i="1" dirty="0"/>
               <a:t>Использованные модели в экспериментах</a:t>
             </a:r>
             <a:r>
-              <a:rPr lang="en-US" i="1" dirty="0"/>
+              <a:rPr lang="en-US" sz="2400" i="1" dirty="0"/>
               <a:t>:</a:t>
             </a:r>
             <a:r>
-              <a:rPr lang="ru-RU" i="1" dirty="0"/>
+              <a:rPr lang="ru-RU" sz="2400" i="1" dirty="0"/>
               <a:t> </a:t>
             </a:r>
             <a:r>
-              <a:rPr lang="en-US" i="1" dirty="0"/>
+              <a:rPr lang="en-US" sz="2400" i="1" dirty="0"/>
               <a:t>FNN, </a:t>
             </a:r>
             <a:r>
-              <a:rPr lang="en-US" i="1" dirty="0" err="1"/>
+              <a:rPr lang="en-US" sz="2400" i="1" dirty="0" err="1"/>
               <a:t>SimpleRNN</a:t>
             </a:r>
             <a:r>
-              <a:rPr lang="en-US" i="1" dirty="0"/>
+              <a:rPr lang="en-US" sz="2400" i="1" dirty="0"/>
               <a:t>, LSTM, GRU</a:t>
             </a:r>
             <a:r>
-              <a:rPr lang="ru-RU" i="1" dirty="0"/>
+              <a:rPr lang="ru-RU" sz="2400" i="1" dirty="0"/>
               <a:t>. Для окна 1 использовал </a:t>
             </a:r>
             <a:r>
-              <a:rPr lang="en-US" i="1" dirty="0"/>
+              <a:rPr lang="en-US" sz="2400" i="1" dirty="0"/>
               <a:t>FNN</a:t>
             </a:r>
             <a:r>
-              <a:rPr lang="ru-RU" i="1" dirty="0"/>
+              <a:rPr lang="ru-RU" sz="2400" i="1" dirty="0"/>
               <a:t>.</a:t>
             </a:r>
             <a:r>
-              <a:rPr lang="ru-RU" dirty="0"/>
+              <a:rPr lang="ru-RU" sz="2400" dirty="0"/>
               <a:t> Также использовал модели из нескольких связанных слоев с нейросетями </a:t>
             </a:r>
             <a:r>
-              <a:rPr lang="en-US" dirty="0"/>
+              <a:rPr lang="en-US" sz="2400" dirty="0"/>
               <a:t>LSTM</a:t>
             </a:r>
             <a:r>
-              <a:rPr lang="ru-RU" dirty="0"/>
+              <a:rPr lang="ru-RU" sz="2400" dirty="0"/>
               <a:t> и</a:t>
             </a:r>
             <a:r>
-              <a:rPr lang="en-US" dirty="0"/>
+              <a:rPr lang="en-US" sz="2400" dirty="0"/>
               <a:t> GRU</a:t>
             </a:r>
             <a:r>
-              <a:rPr lang="ru-RU" dirty="0"/>
+              <a:rPr lang="ru-RU" sz="2400" dirty="0"/>
               <a:t>. </a:t>
             </a:r>
             <a:r>
-              <a:rPr lang="ru-RU" i="1" dirty="0"/>
+              <a:rPr lang="ru-RU" sz="2400" i="1" dirty="0"/>
               <a:t> </a:t>
             </a:r>
             <a:r>
-              <a:rPr lang="ru-RU" dirty="0"/>
+              <a:rPr lang="ru-RU" sz="2400" dirty="0"/>
               <a:t>Кроме перебора моделей я делал эксперименты с количеством векторов состояний для </a:t>
             </a:r>
             <a:r>
-              <a:rPr lang="en-US" dirty="0"/>
+              <a:rPr lang="en-US" sz="2400" dirty="0"/>
               <a:t>RNN</a:t>
             </a:r>
             <a:r>
-              <a:rPr lang="ru-RU" dirty="0"/>
-              <a:t>, количеством результирующих слоев, количеством примеров в </a:t>
-            </a:r>
-            <a:r>
-              <a:rPr lang="ru-RU" dirty="0" err="1"/>
+              <a:rPr lang="ru-RU" sz="2400" dirty="0"/>
+              <a:t>, количеством </a:t>
+            </a:r>
+            <a:r>
+              <a:rPr lang="ru-RU" sz="2400" dirty="0" err="1"/>
+              <a:t>полносвязных</a:t>
+            </a:r>
+            <a:r>
+              <a:rPr lang="ru-RU" sz="2400" dirty="0"/>
+              <a:t> слоев в конце </a:t>
+            </a:r>
+            <a:r>
+              <a:rPr lang="ru-RU" sz="2400" dirty="0" err="1"/>
+              <a:t>пайплайна</a:t>
+            </a:r>
+            <a:r>
+              <a:rPr lang="ru-RU" sz="2400" dirty="0"/>
+              <a:t>, количеством векторов в </a:t>
+            </a:r>
+            <a:r>
+              <a:rPr lang="ru-RU" sz="2400" dirty="0" err="1"/>
               <a:t>батче</a:t>
             </a:r>
             <a:r>
-              <a:rPr lang="ru-RU" dirty="0"/>
-              <a:t>. Для построения моделей я использовал фреймворк </a:t>
-            </a:r>
-            <a:r>
-              <a:rPr lang="en-US" dirty="0" err="1"/>
-              <a:t>keras</a:t>
-            </a:r>
-            <a:r>
-              <a:rPr lang="en-US" dirty="0"/>
+              <a:rPr lang="ru-RU" sz="2400" dirty="0"/>
+              <a:t>. Для построения моделей использован </a:t>
+            </a:r>
+            <a:r>
+              <a:rPr lang="en-US" sz="2400" dirty="0" err="1"/>
+              <a:t>Keras</a:t>
+            </a:r>
+            <a:r>
+              <a:rPr lang="en-US" sz="2400" dirty="0"/>
               <a:t>.</a:t>
             </a:r>
           </a:p>
           <a:p>
-            <a:endParaRPr lang="en-US" dirty="0"/>
-          </a:p>
-          <a:p>
-            <a:r>
-              <a:rPr lang="ru-RU" dirty="0" err="1"/>
-              <a:t>Реккурентные</a:t>
-            </a:r>
-            <a:r>
-              <a:rPr lang="ru-RU" dirty="0"/>
-              <a:t> сети показывают лучший результат, чем</a:t>
-            </a:r>
-            <a:r>
-              <a:rPr lang="en-US" dirty="0"/>
-              <a:t> </a:t>
-            </a:r>
-            <a:r>
-              <a:rPr lang="ru-RU" dirty="0"/>
-              <a:t>обычный многослойный перцептрон. Лучший результат получили сложные </a:t>
-            </a:r>
-            <a:r>
-              <a:rPr lang="ru-RU" dirty="0" err="1"/>
-              <a:t>рекурентные</a:t>
-            </a:r>
-            <a:r>
-              <a:rPr lang="ru-RU" dirty="0"/>
-              <a:t> сети (например </a:t>
-            </a:r>
-            <a:r>
-              <a:rPr lang="en-US" dirty="0"/>
-              <a:t>LSTM to LSTM</a:t>
-            </a:r>
-            <a:r>
-              <a:rPr lang="ru-RU" dirty="0"/>
-              <a:t>). Лучшее количество </a:t>
-            </a:r>
-            <a:r>
-              <a:rPr lang="ru-RU" dirty="0" err="1"/>
-              <a:t>сэмплов</a:t>
-            </a:r>
-            <a:r>
-              <a:rPr lang="ru-RU" dirty="0"/>
-              <a:t> в </a:t>
-            </a:r>
-            <a:r>
-              <a:rPr lang="ru-RU" dirty="0" err="1"/>
-              <a:t>батче</a:t>
-            </a:r>
-            <a:r>
-              <a:rPr lang="ru-RU" dirty="0"/>
-              <a:t> по итогам экспериментов – 4. </a:t>
-            </a:r>
-            <a:endParaRPr lang="en-US" dirty="0"/>
-          </a:p>
-          <a:p>
-            <a:endParaRPr lang="en-US" dirty="0"/>
+            <a:pPr algn="just"/>
+            <a:endParaRPr lang="en-US" sz="2400" dirty="0"/>
+          </a:p>
+          <a:p>
+            <a:pPr algn="ctr"/>
+            <a:r>
+              <a:rPr lang="ru-RU" sz="2400" i="1" dirty="0"/>
+              <a:t>Используемые модели:</a:t>
+            </a:r>
+            <a:endParaRPr lang="en-US" sz="2400" i="1" dirty="0"/>
           </a:p>
         </p:txBody>
       </p:sp>
@@ -4863,7 +5848,7 @@
         </p:blipFill>
         <p:spPr>
           <a:xfrm>
-            <a:off x="5853555" y="3768041"/>
+            <a:off x="5914687" y="3180335"/>
             <a:ext cx="6189785" cy="1971057"/>
           </a:xfrm>
           <a:prstGeom prst="rect">
@@ -4893,7 +5878,7 @@
         </p:blipFill>
         <p:spPr>
           <a:xfrm>
-            <a:off x="148660" y="3768041"/>
+            <a:off x="209572" y="3301097"/>
             <a:ext cx="5705115" cy="1452472"/>
           </a:xfrm>
           <a:prstGeom prst="rect">
@@ -4923,14 +5908,450 @@
         </p:blipFill>
         <p:spPr>
           <a:xfrm>
-            <a:off x="209572" y="5099751"/>
-            <a:ext cx="5583290" cy="1439415"/>
+            <a:off x="5914687" y="5025358"/>
+            <a:ext cx="5970117" cy="1539142"/>
           </a:xfrm>
           <a:prstGeom prst="rect">
             <a:avLst/>
           </a:prstGeom>
         </p:spPr>
       </p:pic>
+      <p:sp>
+        <p:nvSpPr>
+          <p:cNvPr id="7" name="Овал 6">
+            <a:extLst>
+              <a:ext uri="{FF2B5EF4-FFF2-40B4-BE49-F238E27FC236}">
+                <a16:creationId xmlns:a16="http://schemas.microsoft.com/office/drawing/2014/main" id="{BD3EFF72-B52E-D70D-6638-BE193DF1BF4B}"/>
+              </a:ext>
+            </a:extLst>
+          </p:cNvPr>
+          <p:cNvSpPr/>
+          <p:nvPr/>
+        </p:nvSpPr>
+        <p:spPr>
+          <a:xfrm>
+            <a:off x="522514" y="5025358"/>
+            <a:ext cx="1045029" cy="261257"/>
+          </a:xfrm>
+          <a:prstGeom prst="ellipse">
+            <a:avLst/>
+          </a:prstGeom>
+        </p:spPr>
+        <p:style>
+          <a:lnRef idx="2">
+            <a:schemeClr val="accent1">
+              <a:shade val="50000"/>
+            </a:schemeClr>
+          </a:lnRef>
+          <a:fillRef idx="1">
+            <a:schemeClr val="accent1"/>
+          </a:fillRef>
+          <a:effectRef idx="0">
+            <a:schemeClr val="accent1"/>
+          </a:effectRef>
+          <a:fontRef idx="minor">
+            <a:schemeClr val="lt1"/>
+          </a:fontRef>
+        </p:style>
+        <p:txBody>
+          <a:bodyPr rtlCol="0" anchor="ctr"/>
+          <a:lstStyle/>
+          <a:p>
+            <a:pPr algn="ctr"/>
+            <a:r>
+              <a:rPr lang="en-US" sz="1100" dirty="0" err="1"/>
+              <a:t>Dinam</a:t>
+            </a:r>
+            <a:r>
+              <a:rPr lang="en-US" sz="1100" dirty="0"/>
+              <a:t>_*</a:t>
+            </a:r>
+            <a:endParaRPr lang="ru-RU" sz="1100" dirty="0"/>
+          </a:p>
+        </p:txBody>
+      </p:sp>
+      <p:sp>
+        <p:nvSpPr>
+          <p:cNvPr id="9" name="Овал 8">
+            <a:extLst>
+              <a:ext uri="{FF2B5EF4-FFF2-40B4-BE49-F238E27FC236}">
+                <a16:creationId xmlns:a16="http://schemas.microsoft.com/office/drawing/2014/main" id="{8852EBE6-D8FE-A953-A0A8-677EE9BC7C19}"/>
+              </a:ext>
+            </a:extLst>
+          </p:cNvPr>
+          <p:cNvSpPr/>
+          <p:nvPr/>
+        </p:nvSpPr>
+        <p:spPr>
+          <a:xfrm>
+            <a:off x="155264" y="5598234"/>
+            <a:ext cx="1779527" cy="322729"/>
+          </a:xfrm>
+          <a:prstGeom prst="ellipse">
+            <a:avLst/>
+          </a:prstGeom>
+        </p:spPr>
+        <p:style>
+          <a:lnRef idx="2">
+            <a:schemeClr val="accent1">
+              <a:shade val="50000"/>
+            </a:schemeClr>
+          </a:lnRef>
+          <a:fillRef idx="1">
+            <a:schemeClr val="accent1"/>
+          </a:fillRef>
+          <a:effectRef idx="0">
+            <a:schemeClr val="accent1"/>
+          </a:effectRef>
+          <a:fontRef idx="minor">
+            <a:schemeClr val="lt1"/>
+          </a:fontRef>
+        </p:style>
+        <p:txBody>
+          <a:bodyPr rtlCol="0" anchor="ctr"/>
+          <a:lstStyle/>
+          <a:p>
+            <a:pPr algn="ctr"/>
+            <a:r>
+              <a:rPr lang="en-US" sz="1050" dirty="0"/>
+              <a:t>Stat_* + </a:t>
+            </a:r>
+            <a:r>
+              <a:rPr lang="en-US" sz="1050" dirty="0" err="1"/>
+              <a:t>Dinam</a:t>
+            </a:r>
+            <a:r>
+              <a:rPr lang="en-US" sz="1050" dirty="0"/>
+              <a:t>_*</a:t>
+            </a:r>
+            <a:endParaRPr lang="ru-RU" sz="1050" dirty="0"/>
+          </a:p>
+        </p:txBody>
+      </p:sp>
+      <p:sp>
+        <p:nvSpPr>
+          <p:cNvPr id="10" name="Прямоугольник: скругленные углы 9">
+            <a:extLst>
+              <a:ext uri="{FF2B5EF4-FFF2-40B4-BE49-F238E27FC236}">
+                <a16:creationId xmlns:a16="http://schemas.microsoft.com/office/drawing/2014/main" id="{0009EE98-97E1-F0CD-E5BE-E4A6D68C441E}"/>
+              </a:ext>
+            </a:extLst>
+          </p:cNvPr>
+          <p:cNvSpPr/>
+          <p:nvPr/>
+        </p:nvSpPr>
+        <p:spPr>
+          <a:xfrm>
+            <a:off x="2405103" y="4738201"/>
+            <a:ext cx="307362" cy="1329338"/>
+          </a:xfrm>
+          <a:prstGeom prst="roundRect">
+            <a:avLst/>
+          </a:prstGeom>
+        </p:spPr>
+        <p:style>
+          <a:lnRef idx="2">
+            <a:schemeClr val="accent1">
+              <a:shade val="50000"/>
+            </a:schemeClr>
+          </a:lnRef>
+          <a:fillRef idx="1">
+            <a:schemeClr val="accent1"/>
+          </a:fillRef>
+          <a:effectRef idx="0">
+            <a:schemeClr val="accent1"/>
+          </a:effectRef>
+          <a:fontRef idx="minor">
+            <a:schemeClr val="lt1"/>
+          </a:fontRef>
+        </p:style>
+        <p:txBody>
+          <a:bodyPr rtlCol="0" anchor="ctr"/>
+          <a:lstStyle/>
+          <a:p>
+            <a:pPr algn="ctr"/>
+            <a:r>
+              <a:rPr lang="en-US" sz="1600" dirty="0"/>
+              <a:t>Dense</a:t>
+            </a:r>
+            <a:endParaRPr lang="ru-RU" sz="1600" dirty="0"/>
+          </a:p>
+        </p:txBody>
+      </p:sp>
+      <p:sp>
+        <p:nvSpPr>
+          <p:cNvPr id="11" name="Прямоугольник: скругленные углы 10">
+            <a:extLst>
+              <a:ext uri="{FF2B5EF4-FFF2-40B4-BE49-F238E27FC236}">
+                <a16:creationId xmlns:a16="http://schemas.microsoft.com/office/drawing/2014/main" id="{D16DCBC5-EF2E-D4A1-406F-E00218A31569}"/>
+              </a:ext>
+            </a:extLst>
+          </p:cNvPr>
+          <p:cNvSpPr/>
+          <p:nvPr/>
+        </p:nvSpPr>
+        <p:spPr>
+          <a:xfrm>
+            <a:off x="3005704" y="4738201"/>
+            <a:ext cx="307362" cy="1329338"/>
+          </a:xfrm>
+          <a:prstGeom prst="roundRect">
+            <a:avLst/>
+          </a:prstGeom>
+        </p:spPr>
+        <p:style>
+          <a:lnRef idx="2">
+            <a:schemeClr val="accent1">
+              <a:shade val="50000"/>
+            </a:schemeClr>
+          </a:lnRef>
+          <a:fillRef idx="1">
+            <a:schemeClr val="accent1"/>
+          </a:fillRef>
+          <a:effectRef idx="0">
+            <a:schemeClr val="accent1"/>
+          </a:effectRef>
+          <a:fontRef idx="minor">
+            <a:schemeClr val="lt1"/>
+          </a:fontRef>
+        </p:style>
+        <p:txBody>
+          <a:bodyPr rtlCol="0" anchor="ctr"/>
+          <a:lstStyle/>
+          <a:p>
+            <a:pPr algn="ctr"/>
+            <a:r>
+              <a:rPr lang="en-US" sz="1600" dirty="0"/>
+              <a:t>Dense</a:t>
+            </a:r>
+            <a:endParaRPr lang="ru-RU" sz="1600" dirty="0"/>
+          </a:p>
+        </p:txBody>
+      </p:sp>
+      <p:sp>
+        <p:nvSpPr>
+          <p:cNvPr id="13" name="Прямоугольник: скругленные углы 12">
+            <a:extLst>
+              <a:ext uri="{FF2B5EF4-FFF2-40B4-BE49-F238E27FC236}">
+                <a16:creationId xmlns:a16="http://schemas.microsoft.com/office/drawing/2014/main" id="{E73BABA0-B207-794C-C5B3-C3E85651125F}"/>
+              </a:ext>
+            </a:extLst>
+          </p:cNvPr>
+          <p:cNvSpPr/>
+          <p:nvPr/>
+        </p:nvSpPr>
+        <p:spPr>
+          <a:xfrm>
+            <a:off x="3609393" y="4745885"/>
+            <a:ext cx="307362" cy="1329338"/>
+          </a:xfrm>
+          <a:prstGeom prst="roundRect">
+            <a:avLst/>
+          </a:prstGeom>
+        </p:spPr>
+        <p:style>
+          <a:lnRef idx="2">
+            <a:schemeClr val="accent1">
+              <a:shade val="50000"/>
+            </a:schemeClr>
+          </a:lnRef>
+          <a:fillRef idx="1">
+            <a:schemeClr val="accent1"/>
+          </a:fillRef>
+          <a:effectRef idx="0">
+            <a:schemeClr val="accent1"/>
+          </a:effectRef>
+          <a:fontRef idx="minor">
+            <a:schemeClr val="lt1"/>
+          </a:fontRef>
+        </p:style>
+        <p:txBody>
+          <a:bodyPr rtlCol="0" anchor="ctr"/>
+          <a:lstStyle/>
+          <a:p>
+            <a:pPr algn="ctr"/>
+            <a:r>
+              <a:rPr lang="en-US" sz="1600" dirty="0"/>
+              <a:t>Dense</a:t>
+            </a:r>
+            <a:endParaRPr lang="ru-RU" sz="1600" dirty="0"/>
+          </a:p>
+        </p:txBody>
+      </p:sp>
+      <p:sp>
+        <p:nvSpPr>
+          <p:cNvPr id="14" name="Прямоугольник: скругленные углы 13">
+            <a:extLst>
+              <a:ext uri="{FF2B5EF4-FFF2-40B4-BE49-F238E27FC236}">
+                <a16:creationId xmlns:a16="http://schemas.microsoft.com/office/drawing/2014/main" id="{BAC3160F-28C3-C111-18BB-068E43F3C3B4}"/>
+              </a:ext>
+            </a:extLst>
+          </p:cNvPr>
+          <p:cNvSpPr/>
+          <p:nvPr/>
+        </p:nvSpPr>
+        <p:spPr>
+          <a:xfrm>
+            <a:off x="4280007" y="5302977"/>
+            <a:ext cx="1498386" cy="215153"/>
+          </a:xfrm>
+          <a:prstGeom prst="roundRect">
+            <a:avLst/>
+          </a:prstGeom>
+        </p:spPr>
+        <p:style>
+          <a:lnRef idx="2">
+            <a:schemeClr val="accent1">
+              <a:shade val="50000"/>
+            </a:schemeClr>
+          </a:lnRef>
+          <a:fillRef idx="1">
+            <a:schemeClr val="accent1"/>
+          </a:fillRef>
+          <a:effectRef idx="0">
+            <a:schemeClr val="accent1"/>
+          </a:effectRef>
+          <a:fontRef idx="minor">
+            <a:schemeClr val="lt1"/>
+          </a:fontRef>
+        </p:style>
+        <p:txBody>
+          <a:bodyPr rtlCol="0" anchor="ctr"/>
+          <a:lstStyle/>
+          <a:p>
+            <a:pPr algn="ctr"/>
+            <a:r>
+              <a:rPr lang="en-US" sz="1100" dirty="0"/>
+              <a:t>Vector of </a:t>
+            </a:r>
+            <a:r>
+              <a:rPr lang="en-US" sz="1100" dirty="0" err="1"/>
+              <a:t>dinam_facts</a:t>
+            </a:r>
+            <a:endParaRPr lang="ru-RU" sz="1100" dirty="0"/>
+          </a:p>
+        </p:txBody>
+      </p:sp>
+      <p:cxnSp>
+        <p:nvCxnSpPr>
+          <p:cNvPr id="16" name="Прямая со стрелкой 15">
+            <a:extLst>
+              <a:ext uri="{FF2B5EF4-FFF2-40B4-BE49-F238E27FC236}">
+                <a16:creationId xmlns:a16="http://schemas.microsoft.com/office/drawing/2014/main" id="{68FBC2C4-6436-1E4D-CEDE-942273DC66C5}"/>
+              </a:ext>
+            </a:extLst>
+          </p:cNvPr>
+          <p:cNvCxnSpPr>
+            <a:stCxn id="7" idx="6"/>
+            <a:endCxn id="10" idx="1"/>
+          </p:cNvCxnSpPr>
+          <p:nvPr/>
+        </p:nvCxnSpPr>
+        <p:spPr>
+          <a:xfrm>
+            <a:off x="1567543" y="5155987"/>
+            <a:ext cx="837560" cy="246883"/>
+          </a:xfrm>
+          <a:prstGeom prst="straightConnector1">
+            <a:avLst/>
+          </a:prstGeom>
+          <a:ln>
+            <a:tailEnd type="triangle"/>
+          </a:ln>
+        </p:spPr>
+        <p:style>
+          <a:lnRef idx="1">
+            <a:schemeClr val="accent1"/>
+          </a:lnRef>
+          <a:fillRef idx="0">
+            <a:schemeClr val="accent1"/>
+          </a:fillRef>
+          <a:effectRef idx="0">
+            <a:schemeClr val="accent1"/>
+          </a:effectRef>
+          <a:fontRef idx="minor">
+            <a:schemeClr val="tx1"/>
+          </a:fontRef>
+        </p:style>
+      </p:cxnSp>
+      <p:sp>
+        <p:nvSpPr>
+          <p:cNvPr id="17" name="TextBox 16">
+            <a:extLst>
+              <a:ext uri="{FF2B5EF4-FFF2-40B4-BE49-F238E27FC236}">
+                <a16:creationId xmlns:a16="http://schemas.microsoft.com/office/drawing/2014/main" id="{6B408E4E-94F5-2742-D549-927A94B449D2}"/>
+              </a:ext>
+            </a:extLst>
+          </p:cNvPr>
+          <p:cNvSpPr txBox="1"/>
+          <p:nvPr/>
+        </p:nvSpPr>
+        <p:spPr>
+          <a:xfrm>
+            <a:off x="867175" y="5304975"/>
+            <a:ext cx="354584" cy="261610"/>
+          </a:xfrm>
+          <a:prstGeom prst="rect">
+            <a:avLst/>
+          </a:prstGeom>
+          <a:noFill/>
+        </p:spPr>
+        <p:txBody>
+          <a:bodyPr wrap="none" rtlCol="0">
+            <a:spAutoFit/>
+          </a:bodyPr>
+          <a:lstStyle/>
+          <a:p>
+            <a:r>
+              <a:rPr lang="en-US" sz="1100" i="1" dirty="0"/>
+              <a:t>OR</a:t>
+            </a:r>
+            <a:endParaRPr lang="ru-RU" sz="1100" i="1" dirty="0"/>
+          </a:p>
+        </p:txBody>
+      </p:sp>
+      <p:cxnSp>
+        <p:nvCxnSpPr>
+          <p:cNvPr id="19" name="Прямая со стрелкой 18">
+            <a:extLst>
+              <a:ext uri="{FF2B5EF4-FFF2-40B4-BE49-F238E27FC236}">
+                <a16:creationId xmlns:a16="http://schemas.microsoft.com/office/drawing/2014/main" id="{517BD2BA-381E-21FC-1ACA-BEC0A44C6F57}"/>
+              </a:ext>
+            </a:extLst>
+          </p:cNvPr>
+          <p:cNvCxnSpPr>
+            <a:stCxn id="10" idx="3"/>
+            <a:endCxn id="14" idx="1"/>
+          </p:cNvCxnSpPr>
+          <p:nvPr/>
+        </p:nvCxnSpPr>
+        <p:spPr>
+          <a:xfrm>
+            <a:off x="2712465" y="5402870"/>
+            <a:ext cx="1567542" cy="7684"/>
+          </a:xfrm>
+          <a:prstGeom prst="straightConnector1">
+            <a:avLst/>
+          </a:prstGeom>
+          <a:ln>
+            <a:tailEnd type="triangle"/>
+          </a:ln>
+        </p:spPr>
+        <p:style>
+          <a:lnRef idx="1">
+            <a:schemeClr val="accent1"/>
+          </a:lnRef>
+          <a:fillRef idx="0">
+            <a:schemeClr val="accent1"/>
+          </a:fillRef>
+          <a:effectRef idx="0">
+            <a:schemeClr val="accent1"/>
+          </a:effectRef>
+          <a:fontRef idx="minor">
+            <a:schemeClr val="tx1"/>
+          </a:fontRef>
+        </p:style>
+      </p:cxnSp>
     </p:spTree>
     <p:extLst>
       <p:ext uri="{BB962C8B-B14F-4D97-AF65-F5344CB8AC3E}">
@@ -5611,7 +7032,7 @@
           <p:cNvPr id="2" name="Заголовок 1">
             <a:extLst>
               <a:ext uri="{FF2B5EF4-FFF2-40B4-BE49-F238E27FC236}">
-                <a16:creationId xmlns:a16="http://schemas.microsoft.com/office/drawing/2014/main" id="{556382EC-CC8D-90BE-3BC2-A0A23712C15A}"/>
+                <a16:creationId xmlns:a16="http://schemas.microsoft.com/office/drawing/2014/main" id="{5453D5F4-72F4-10B7-24AB-B68E3E754050}"/>
               </a:ext>
             </a:extLst>
           </p:cNvPr>
@@ -5628,18 +7049,9 @@
           <a:lstStyle/>
           <a:p>
             <a:r>
-              <a:rPr lang="en-US" dirty="0" err="1"/>
-              <a:t>Fedot</a:t>
-            </a:r>
-            <a:r>
-              <a:rPr lang="en-US" dirty="0"/>
-              <a:t> </a:t>
-            </a:r>
-            <a:r>
-              <a:rPr lang="en-US" dirty="0" err="1"/>
-              <a:t>AutoML</a:t>
-            </a:r>
-            <a:endParaRPr lang="ru-RU" dirty="0"/>
+              <a:rPr lang="ru-RU" dirty="0"/>
+              <a:t>Результаты нейросетей</a:t>
+            </a:r>
           </a:p>
         </p:txBody>
       </p:sp>
@@ -5648,7 +7060,7 @@
           <p:cNvPr id="3" name="Объект 2">
             <a:extLst>
               <a:ext uri="{FF2B5EF4-FFF2-40B4-BE49-F238E27FC236}">
-                <a16:creationId xmlns:a16="http://schemas.microsoft.com/office/drawing/2014/main" id="{329CB942-2A5F-637E-108E-9F57E8F9DC01}"/>
+                <a16:creationId xmlns:a16="http://schemas.microsoft.com/office/drawing/2014/main" id="{4A502AA5-868F-F197-CF53-6277D7BE79A9}"/>
               </a:ext>
             </a:extLst>
           </p:cNvPr>
@@ -5661,8 +7073,8 @@
         </p:nvSpPr>
         <p:spPr>
           <a:xfrm>
-            <a:off x="838200" y="1510579"/>
-            <a:ext cx="10515600" cy="5151478"/>
+            <a:off x="838200" y="1475334"/>
+            <a:ext cx="10515600" cy="4701629"/>
           </a:xfrm>
         </p:spPr>
         <p:txBody>
@@ -5673,7 +7085,35 @@
           <a:p>
             <a:r>
               <a:rPr lang="ru-RU" dirty="0"/>
-              <a:t>Тип</a:t>
+              <a:t>11 параметров из 13 предсказываются нейросетями с метрикой </a:t>
+            </a:r>
+            <a:r>
+              <a:rPr lang="en-US" dirty="0"/>
+              <a:t>R2&gt;0.2</a:t>
+            </a:r>
+          </a:p>
+          <a:p>
+            <a:r>
+              <a:rPr lang="ru-RU" dirty="0"/>
+              <a:t>8 из 13 параметров предсказываются с долей </a:t>
+            </a:r>
+            <a:r>
+              <a:rPr lang="ru-RU" dirty="0" err="1"/>
+              <a:t>обьясненной</a:t>
+            </a:r>
+            <a:r>
+              <a:rPr lang="ru-RU" dirty="0"/>
+              <a:t> дисперсии больше 0.5</a:t>
+            </a:r>
+          </a:p>
+          <a:p>
+            <a:r>
+              <a:rPr lang="ru-RU" dirty="0" err="1"/>
+              <a:t>Реккурентные</a:t>
+            </a:r>
+            <a:r>
+              <a:rPr lang="ru-RU" dirty="0"/>
+              <a:t> сети показывают лучший результат, чем</a:t>
             </a:r>
             <a:r>
               <a:rPr lang="en-US" dirty="0"/>
@@ -5681,79 +7121,124 @@
             </a:r>
             <a:r>
               <a:rPr lang="ru-RU" dirty="0"/>
-              <a:t>задач для предсказания рядов </a:t>
-            </a:r>
-            <a:r>
-              <a:rPr lang="en-US" dirty="0" err="1"/>
-              <a:t>ts_forecasting</a:t>
+              <a:t>обычный многослойный перцептрон. </a:t>
+            </a:r>
+            <a:endParaRPr lang="en-US" dirty="0"/>
+          </a:p>
+          <a:p>
+            <a:r>
+              <a:rPr lang="ru-RU" dirty="0"/>
+              <a:t>Лучшие результаты получили сложные </a:t>
+            </a:r>
+            <a:r>
+              <a:rPr lang="ru-RU" dirty="0" err="1"/>
+              <a:t>рекурентные</a:t>
+            </a:r>
+            <a:r>
+              <a:rPr lang="ru-RU" dirty="0"/>
+              <a:t> сети (Лимфоциты и </a:t>
+            </a:r>
+            <a:r>
+              <a:rPr lang="ru-RU" dirty="0" err="1"/>
+              <a:t>Лактатдегидраза</a:t>
+            </a:r>
+            <a:r>
+              <a:rPr lang="ru-RU" dirty="0"/>
+              <a:t>), </a:t>
             </a:r>
             <a:r>
               <a:rPr lang="en-US" dirty="0"/>
-              <a:t> </a:t>
+              <a:t>LSTM </a:t>
             </a:r>
             <a:r>
               <a:rPr lang="ru-RU" dirty="0"/>
-              <a:t>не подходит. Перешел к задаче регрессии.</a:t>
+              <a:t>с 13 юнитами и </a:t>
+            </a:r>
+            <a:r>
+              <a:rPr lang="ru-RU" dirty="0" err="1"/>
+              <a:t>батчем</a:t>
+            </a:r>
+            <a:r>
+              <a:rPr lang="ru-RU" dirty="0"/>
+              <a:t> 4 (</a:t>
             </a:r>
             <a:r>
               <a:rPr lang="en-US" dirty="0"/>
-              <a:t> </a:t>
+              <a:t>MPV, </a:t>
             </a:r>
             <a:r>
               <a:rPr lang="ru-RU" dirty="0"/>
-              <a:t>Таймаут для подбора </a:t>
+              <a:t>АСТ</a:t>
+            </a:r>
+            <a:r>
+              <a:rPr lang="en-US" dirty="0"/>
+              <a:t>, </a:t>
+            </a:r>
+            <a:r>
+              <a:rPr lang="ru-RU" dirty="0"/>
+              <a:t>ЧДД, </a:t>
             </a:r>
             <a:r>
               <a:rPr lang="ru-RU" dirty="0" err="1"/>
-              <a:t>пайплайна</a:t>
+              <a:t>сниж</a:t>
             </a:r>
             <a:r>
               <a:rPr lang="ru-RU" dirty="0"/>
-              <a:t> я использовал 20 минут. </a:t>
-            </a:r>
-          </a:p>
-          <a:p>
+              <a:t>. </a:t>
+            </a:r>
+            <a:r>
+              <a:rPr lang="ru-RU" dirty="0" err="1"/>
+              <a:t>созн</a:t>
+            </a:r>
             <a:r>
               <a:rPr lang="ru-RU" dirty="0"/>
-              <a:t>Мне не удалось заставить фреймворк предсказывать сразу вектор значений, поэтому я предсказываю отдельно значение параметра по предыдущим значениям параметров в прошлых периодах</a:t>
-            </a:r>
-          </a:p>
-          <a:p>
+              <a:t>.) и </a:t>
+            </a:r>
+            <a:r>
+              <a:rPr lang="en-US" dirty="0"/>
+              <a:t>GRU </a:t>
+            </a:r>
             <a:r>
               <a:rPr lang="ru-RU" dirty="0"/>
-              <a:t>Я также разделяю данные на окна размером от одного до 4, но в данном случае склеиваю значения в один вектор, так как фреймворк не поддерживает матричные входные данные</a:t>
+              <a:t>с двумя входами (</a:t>
+            </a:r>
+            <a:r>
+              <a:rPr lang="en-US" dirty="0"/>
+              <a:t>PWD)</a:t>
             </a:r>
           </a:p>
           <a:p>
             <a:r>
               <a:rPr lang="ru-RU" dirty="0"/>
-              <a:t>Я не делал дополнительную предобработку, так как фреймворк сам подбирает необходимые алгоритмы отчистки и нормировки данных</a:t>
-            </a:r>
-          </a:p>
-          <a:p>
+              <a:t>Лучшее количество </a:t>
+            </a:r>
+            <a:r>
+              <a:rPr lang="ru-RU" dirty="0" err="1"/>
+              <a:t>сэмплов</a:t>
+            </a:r>
             <a:r>
               <a:rPr lang="ru-RU" dirty="0"/>
-              <a:t>У готовых моделей я считал </a:t>
-            </a:r>
-            <a:r>
-              <a:rPr lang="en-US" dirty="0"/>
-              <a:t>MSE </a:t>
+              <a:t> в </a:t>
+            </a:r>
+            <a:r>
+              <a:rPr lang="ru-RU" dirty="0" err="1"/>
+              <a:t>батче</a:t>
             </a:r>
             <a:r>
               <a:rPr lang="ru-RU" dirty="0"/>
-              <a:t>и </a:t>
-            </a:r>
-            <a:r>
-              <a:rPr lang="en-US" dirty="0"/>
-              <a:t>R2 </a:t>
-            </a:r>
+              <a:t> по итогам экспериментов – 4.</a:t>
+            </a:r>
+          </a:p>
+          <a:p>
             <a:r>
               <a:rPr lang="ru-RU" dirty="0"/>
-              <a:t>метрики на тестовой части </a:t>
-            </a:r>
-            <a:r>
-              <a:rPr lang="ru-RU" dirty="0" err="1"/>
-              <a:t>датасета</a:t>
+              <a:t>Добавление статичных данных не сильно улучшает результат. </a:t>
+            </a:r>
+          </a:p>
+          <a:p>
+            <a:r>
+              <a:rPr lang="ru-RU" dirty="0"/>
+              <a:t>Более точные предсказания получаются при предсказании с окном в 3 записи о пациенте</a:t>
             </a:r>
             <a:endParaRPr lang="en-US" dirty="0"/>
           </a:p>
@@ -5763,18 +7248,12 @@
             </a:pPr>
             <a:endParaRPr lang="ru-RU" dirty="0"/>
           </a:p>
-          <a:p>
-            <a:pPr marL="0" indent="0">
-              <a:buNone/>
-            </a:pPr>
-            <a:endParaRPr lang="en-US" dirty="0"/>
-          </a:p>
         </p:txBody>
       </p:sp>
     </p:spTree>
     <p:extLst>
       <p:ext uri="{BB962C8B-B14F-4D97-AF65-F5344CB8AC3E}">
-        <p14:creationId xmlns:p14="http://schemas.microsoft.com/office/powerpoint/2010/main" val="2948319201"/>
+        <p14:creationId xmlns:p14="http://schemas.microsoft.com/office/powerpoint/2010/main" val="3300081011"/>
       </p:ext>
     </p:extLst>
   </p:cSld>
@@ -5806,6 +7285,209 @@
           <p:cNvPr id="2" name="Заголовок 1">
             <a:extLst>
               <a:ext uri="{FF2B5EF4-FFF2-40B4-BE49-F238E27FC236}">
+                <a16:creationId xmlns:a16="http://schemas.microsoft.com/office/drawing/2014/main" id="{556382EC-CC8D-90BE-3BC2-A0A23712C15A}"/>
+              </a:ext>
+            </a:extLst>
+          </p:cNvPr>
+          <p:cNvSpPr>
+            <a:spLocks noGrp="1"/>
+          </p:cNvSpPr>
+          <p:nvPr>
+            <p:ph type="title"/>
+          </p:nvPr>
+        </p:nvSpPr>
+        <p:spPr/>
+        <p:txBody>
+          <a:bodyPr/>
+          <a:lstStyle/>
+          <a:p>
+            <a:r>
+              <a:rPr lang="en-US" dirty="0" err="1"/>
+              <a:t>Fedot</a:t>
+            </a:r>
+            <a:r>
+              <a:rPr lang="en-US" dirty="0"/>
+              <a:t> </a:t>
+            </a:r>
+            <a:r>
+              <a:rPr lang="en-US" dirty="0" err="1"/>
+              <a:t>AutoML</a:t>
+            </a:r>
+            <a:endParaRPr lang="ru-RU" dirty="0"/>
+          </a:p>
+        </p:txBody>
+      </p:sp>
+      <p:sp>
+        <p:nvSpPr>
+          <p:cNvPr id="3" name="Объект 2">
+            <a:extLst>
+              <a:ext uri="{FF2B5EF4-FFF2-40B4-BE49-F238E27FC236}">
+                <a16:creationId xmlns:a16="http://schemas.microsoft.com/office/drawing/2014/main" id="{329CB942-2A5F-637E-108E-9F57E8F9DC01}"/>
+              </a:ext>
+            </a:extLst>
+          </p:cNvPr>
+          <p:cNvSpPr>
+            <a:spLocks noGrp="1"/>
+          </p:cNvSpPr>
+          <p:nvPr>
+            <p:ph idx="1"/>
+          </p:nvPr>
+        </p:nvSpPr>
+        <p:spPr>
+          <a:xfrm>
+            <a:off x="838200" y="1510579"/>
+            <a:ext cx="10515600" cy="5151478"/>
+          </a:xfrm>
+        </p:spPr>
+        <p:txBody>
+          <a:bodyPr>
+            <a:normAutofit fontScale="92500" lnSpcReduction="10000"/>
+          </a:bodyPr>
+          <a:lstStyle/>
+          <a:p>
+            <a:r>
+              <a:rPr lang="ru-RU" dirty="0"/>
+              <a:t>Тип</a:t>
+            </a:r>
+            <a:r>
+              <a:rPr lang="en-US" dirty="0"/>
+              <a:t> </a:t>
+            </a:r>
+            <a:r>
+              <a:rPr lang="ru-RU" dirty="0"/>
+              <a:t>задач для предсказания рядов </a:t>
+            </a:r>
+            <a:r>
+              <a:rPr lang="en-US" dirty="0" err="1"/>
+              <a:t>ts_forecasting</a:t>
+            </a:r>
+            <a:r>
+              <a:rPr lang="en-US" dirty="0"/>
+              <a:t> </a:t>
+            </a:r>
+            <a:r>
+              <a:rPr lang="ru-RU" dirty="0"/>
+              <a:t>не подходит. Перешел к задаче регрессии.</a:t>
+            </a:r>
+            <a:r>
+              <a:rPr lang="en-US" dirty="0"/>
+              <a:t> </a:t>
+            </a:r>
+            <a:r>
+              <a:rPr lang="ru-RU" dirty="0"/>
+              <a:t>Таймаут для подбора </a:t>
+            </a:r>
+            <a:r>
+              <a:rPr lang="ru-RU" dirty="0" err="1"/>
+              <a:t>пайплайна</a:t>
+            </a:r>
+            <a:r>
+              <a:rPr lang="ru-RU" dirty="0"/>
+              <a:t> я использовал 20 минут. </a:t>
+            </a:r>
+          </a:p>
+          <a:p>
+            <a:r>
+              <a:rPr lang="ru-RU" dirty="0"/>
+              <a:t>Мне не удалось заставить фреймворк предсказывать сразу вектор значений, поэтому я предсказываю отдельно значение параметра по предыдущим значениям параметров в прошлых периодах</a:t>
+            </a:r>
+          </a:p>
+          <a:p>
+            <a:r>
+              <a:rPr lang="ru-RU" dirty="0"/>
+              <a:t>Я также разделяю данные на окна размером от одного до 4, но в данном случае склеиваю значения в один вектор, так как фреймворк не поддерживает матричные входные данные. Получаю вектор из </a:t>
+            </a:r>
+            <a:r>
+              <a:rPr lang="en-US" dirty="0"/>
+              <a:t>WINDOW*47 </a:t>
+            </a:r>
+            <a:r>
+              <a:rPr lang="ru-RU" dirty="0"/>
+              <a:t>значений</a:t>
+            </a:r>
+          </a:p>
+          <a:p>
+            <a:r>
+              <a:rPr lang="ru-RU" dirty="0"/>
+              <a:t>Я не делал дополнительную предобработку, так как фреймворк сам подбирает необходимые алгоритмы отчистки и нормировки данных</a:t>
+            </a:r>
+          </a:p>
+          <a:p>
+            <a:r>
+              <a:rPr lang="ru-RU" dirty="0"/>
+              <a:t>У готовых моделей я считал </a:t>
+            </a:r>
+            <a:r>
+              <a:rPr lang="en-US" dirty="0"/>
+              <a:t>MSE </a:t>
+            </a:r>
+            <a:r>
+              <a:rPr lang="ru-RU" dirty="0"/>
+              <a:t>и </a:t>
+            </a:r>
+            <a:r>
+              <a:rPr lang="en-US" dirty="0"/>
+              <a:t>R2 </a:t>
+            </a:r>
+            <a:r>
+              <a:rPr lang="ru-RU" dirty="0"/>
+              <a:t>метрики на тестовой части </a:t>
+            </a:r>
+            <a:r>
+              <a:rPr lang="ru-RU" dirty="0" err="1"/>
+              <a:t>датасета</a:t>
+            </a:r>
+            <a:endParaRPr lang="en-US" dirty="0"/>
+          </a:p>
+          <a:p>
+            <a:pPr marL="0" indent="0">
+              <a:buNone/>
+            </a:pPr>
+            <a:endParaRPr lang="ru-RU" dirty="0"/>
+          </a:p>
+          <a:p>
+            <a:pPr marL="0" indent="0">
+              <a:buNone/>
+            </a:pPr>
+            <a:endParaRPr lang="en-US" dirty="0"/>
+          </a:p>
+        </p:txBody>
+      </p:sp>
+    </p:spTree>
+    <p:extLst>
+      <p:ext uri="{BB962C8B-B14F-4D97-AF65-F5344CB8AC3E}">
+        <p14:creationId xmlns:p14="http://schemas.microsoft.com/office/powerpoint/2010/main" val="2948319201"/>
+      </p:ext>
+    </p:extLst>
+  </p:cSld>
+  <p:clrMapOvr>
+    <a:masterClrMapping/>
+  </p:clrMapOvr>
+</p:sld>
+</file>
+
+<file path=ppt/slides/slide9.xml><?xml version="1.0" encoding="utf-8"?>
+<p:sld xmlns:a="http://schemas.openxmlformats.org/drawingml/2006/main" xmlns:r="http://schemas.openxmlformats.org/officeDocument/2006/relationships" xmlns:p="http://schemas.openxmlformats.org/presentationml/2006/main">
+  <p:cSld>
+    <p:spTree>
+      <p:nvGrpSpPr>
+        <p:cNvPr id="1" name=""/>
+        <p:cNvGrpSpPr/>
+        <p:nvPr/>
+      </p:nvGrpSpPr>
+      <p:grpSpPr>
+        <a:xfrm>
+          <a:off x="0" y="0"/>
+          <a:ext cx="0" cy="0"/>
+          <a:chOff x="0" y="0"/>
+          <a:chExt cx="0" cy="0"/>
+        </a:xfrm>
+      </p:grpSpPr>
+      <p:sp>
+        <p:nvSpPr>
+          <p:cNvPr id="2" name="Заголовок 1">
+            <a:extLst>
+              <a:ext uri="{FF2B5EF4-FFF2-40B4-BE49-F238E27FC236}">
                 <a16:creationId xmlns:a16="http://schemas.microsoft.com/office/drawing/2014/main" id="{35D37771-C733-CA38-18C5-F44DFA78614B}"/>
               </a:ext>
             </a:extLst>
@@ -5856,341 +7538,362 @@
         </p:blipFill>
         <p:spPr>
           <a:xfrm>
-            <a:off x="7031442" y="0"/>
+            <a:off x="7092914" y="0"/>
             <a:ext cx="4955651" cy="6833725"/>
           </a:xfrm>
         </p:spPr>
       </p:pic>
-      <p:pic>
-        <p:nvPicPr>
-          <p:cNvPr id="5" name="Рисунок 4">
-            <a:extLst>
-              <a:ext uri="{FF2B5EF4-FFF2-40B4-BE49-F238E27FC236}">
-                <a16:creationId xmlns:a16="http://schemas.microsoft.com/office/drawing/2014/main" id="{0447523F-B1C8-AF88-1997-B714F803C313}"/>
-              </a:ext>
-            </a:extLst>
-          </p:cNvPr>
-          <p:cNvPicPr>
-            <a:picLocks noChangeAspect="1"/>
-          </p:cNvPicPr>
+      <p:grpSp>
+        <p:nvGrpSpPr>
+          <p:cNvPr id="26" name="Группа 25">
+            <a:extLst>
+              <a:ext uri="{FF2B5EF4-FFF2-40B4-BE49-F238E27FC236}">
+                <a16:creationId xmlns:a16="http://schemas.microsoft.com/office/drawing/2014/main" id="{C44D43FD-E2D4-4FF5-E8EA-FCEBDE0249BA}"/>
+              </a:ext>
+            </a:extLst>
+          </p:cNvPr>
+          <p:cNvGrpSpPr/>
           <p:nvPr/>
-        </p:nvPicPr>
-        <p:blipFill>
-          <a:blip r:embed="rId3"/>
-          <a:stretch>
-            <a:fillRect/>
-          </a:stretch>
-        </p:blipFill>
-        <p:spPr>
+        </p:nvGrpSpPr>
+        <p:grpSpPr>
           <a:xfrm>
-            <a:off x="69156" y="-12138"/>
-            <a:ext cx="6132410" cy="6858000"/>
+            <a:off x="204907" y="610271"/>
+            <a:ext cx="6132410" cy="6223454"/>
+            <a:chOff x="204907" y="610271"/>
+            <a:chExt cx="6132410" cy="6223454"/>
           </a:xfrm>
-          <a:prstGeom prst="rect">
-            <a:avLst/>
-          </a:prstGeom>
-        </p:spPr>
-      </p:pic>
-      <p:sp>
-        <p:nvSpPr>
-          <p:cNvPr id="11" name="Прямоугольник 10">
-            <a:extLst>
-              <a:ext uri="{FF2B5EF4-FFF2-40B4-BE49-F238E27FC236}">
-                <a16:creationId xmlns:a16="http://schemas.microsoft.com/office/drawing/2014/main" id="{8635F470-0910-8056-4967-55E64EB41DFF}"/>
-              </a:ext>
-            </a:extLst>
-          </p:cNvPr>
-          <p:cNvSpPr/>
-          <p:nvPr/>
-        </p:nvSpPr>
-        <p:spPr>
-          <a:xfrm>
-            <a:off x="3642232" y="1260182"/>
-            <a:ext cx="2559334" cy="275420"/>
-          </a:xfrm>
-          <a:prstGeom prst="rect">
-            <a:avLst/>
-          </a:prstGeom>
-          <a:solidFill>
-            <a:schemeClr val="accent2">
-              <a:lumMod val="40000"/>
-              <a:lumOff val="60000"/>
-              <a:alpha val="32157"/>
-            </a:schemeClr>
-          </a:solidFill>
-          <a:ln>
+        </p:grpSpPr>
+        <p:pic>
+          <p:nvPicPr>
+            <p:cNvPr id="5" name="Рисунок 4">
+              <a:extLst>
+                <a:ext uri="{FF2B5EF4-FFF2-40B4-BE49-F238E27FC236}">
+                  <a16:creationId xmlns:a16="http://schemas.microsoft.com/office/drawing/2014/main" id="{0447523F-B1C8-AF88-1997-B714F803C313}"/>
+                </a:ext>
+              </a:extLst>
+            </p:cNvPr>
+            <p:cNvPicPr>
+              <a:picLocks noChangeAspect="1"/>
+            </p:cNvPicPr>
+            <p:nvPr/>
+          </p:nvPicPr>
+          <p:blipFill>
+            <a:blip r:embed="rId3"/>
+            <a:stretch>
+              <a:fillRect/>
+            </a:stretch>
+          </p:blipFill>
+          <p:spPr>
+            <a:xfrm>
+              <a:off x="204907" y="610271"/>
+              <a:ext cx="6132410" cy="6223454"/>
+            </a:xfrm>
+            <a:prstGeom prst="rect">
+              <a:avLst/>
+            </a:prstGeom>
+          </p:spPr>
+        </p:pic>
+        <p:sp>
+          <p:nvSpPr>
+            <p:cNvPr id="11" name="Прямоугольник 10">
+              <a:extLst>
+                <a:ext uri="{FF2B5EF4-FFF2-40B4-BE49-F238E27FC236}">
+                  <a16:creationId xmlns:a16="http://schemas.microsoft.com/office/drawing/2014/main" id="{8635F470-0910-8056-4967-55E64EB41DFF}"/>
+                </a:ext>
+              </a:extLst>
+            </p:cNvPr>
+            <p:cNvSpPr/>
+            <p:nvPr/>
+          </p:nvSpPr>
+          <p:spPr>
+            <a:xfrm>
+              <a:off x="3777983" y="1714820"/>
+              <a:ext cx="2559334" cy="275420"/>
+            </a:xfrm>
+            <a:prstGeom prst="rect">
+              <a:avLst/>
+            </a:prstGeom>
             <a:solidFill>
-              <a:srgbClr val="2F528F">
-                <a:alpha val="40000"/>
-              </a:srgbClr>
+              <a:schemeClr val="accent2">
+                <a:lumMod val="40000"/>
+                <a:lumOff val="60000"/>
+                <a:alpha val="32157"/>
+              </a:schemeClr>
             </a:solidFill>
-          </a:ln>
-        </p:spPr>
-        <p:style>
-          <a:lnRef idx="2">
-            <a:schemeClr val="accent1">
-              <a:shade val="50000"/>
-            </a:schemeClr>
-          </a:lnRef>
-          <a:fillRef idx="1">
-            <a:schemeClr val="accent1"/>
-          </a:fillRef>
-          <a:effectRef idx="0">
-            <a:schemeClr val="accent1"/>
-          </a:effectRef>
-          <a:fontRef idx="minor">
-            <a:schemeClr val="lt1"/>
-          </a:fontRef>
-        </p:style>
-        <p:txBody>
-          <a:bodyPr rtlCol="0" anchor="ctr"/>
-          <a:lstStyle/>
-          <a:p>
-            <a:pPr algn="ctr"/>
-            <a:endParaRPr lang="ru-RU"/>
-          </a:p>
-        </p:txBody>
-      </p:sp>
-      <p:sp>
-        <p:nvSpPr>
-          <p:cNvPr id="12" name="Прямоугольник 11">
-            <a:extLst>
-              <a:ext uri="{FF2B5EF4-FFF2-40B4-BE49-F238E27FC236}">
-                <a16:creationId xmlns:a16="http://schemas.microsoft.com/office/drawing/2014/main" id="{BCC657D8-246B-9299-09C9-E2F329F3E980}"/>
-              </a:ext>
-            </a:extLst>
-          </p:cNvPr>
-          <p:cNvSpPr/>
-          <p:nvPr/>
-        </p:nvSpPr>
-        <p:spPr>
-          <a:xfrm>
-            <a:off x="3642232" y="2811077"/>
-            <a:ext cx="2559334" cy="275420"/>
-          </a:xfrm>
-          <a:prstGeom prst="rect">
-            <a:avLst/>
-          </a:prstGeom>
-          <a:solidFill>
-            <a:schemeClr val="accent2">
-              <a:lumMod val="40000"/>
-              <a:lumOff val="60000"/>
-              <a:alpha val="32157"/>
-            </a:schemeClr>
-          </a:solidFill>
-          <a:ln>
+            <a:ln>
+              <a:solidFill>
+                <a:srgbClr val="2F528F">
+                  <a:alpha val="40000"/>
+                </a:srgbClr>
+              </a:solidFill>
+            </a:ln>
+          </p:spPr>
+          <p:style>
+            <a:lnRef idx="2">
+              <a:schemeClr val="accent1">
+                <a:shade val="50000"/>
+              </a:schemeClr>
+            </a:lnRef>
+            <a:fillRef idx="1">
+              <a:schemeClr val="accent1"/>
+            </a:fillRef>
+            <a:effectRef idx="0">
+              <a:schemeClr val="accent1"/>
+            </a:effectRef>
+            <a:fontRef idx="minor">
+              <a:schemeClr val="lt1"/>
+            </a:fontRef>
+          </p:style>
+          <p:txBody>
+            <a:bodyPr rtlCol="0" anchor="ctr"/>
+            <a:lstStyle/>
+            <a:p>
+              <a:pPr algn="ctr"/>
+              <a:endParaRPr lang="ru-RU"/>
+            </a:p>
+          </p:txBody>
+        </p:sp>
+        <p:sp>
+          <p:nvSpPr>
+            <p:cNvPr id="12" name="Прямоугольник 11">
+              <a:extLst>
+                <a:ext uri="{FF2B5EF4-FFF2-40B4-BE49-F238E27FC236}">
+                  <a16:creationId xmlns:a16="http://schemas.microsoft.com/office/drawing/2014/main" id="{BCC657D8-246B-9299-09C9-E2F329F3E980}"/>
+                </a:ext>
+              </a:extLst>
+            </p:cNvPr>
+            <p:cNvSpPr/>
+            <p:nvPr/>
+          </p:nvSpPr>
+          <p:spPr>
+            <a:xfrm>
+              <a:off x="3777983" y="3175949"/>
+              <a:ext cx="2559334" cy="275420"/>
+            </a:xfrm>
+            <a:prstGeom prst="rect">
+              <a:avLst/>
+            </a:prstGeom>
             <a:solidFill>
-              <a:srgbClr val="2F528F">
-                <a:alpha val="40000"/>
-              </a:srgbClr>
+              <a:schemeClr val="accent2">
+                <a:lumMod val="40000"/>
+                <a:lumOff val="60000"/>
+                <a:alpha val="32157"/>
+              </a:schemeClr>
             </a:solidFill>
-          </a:ln>
-        </p:spPr>
-        <p:style>
-          <a:lnRef idx="2">
-            <a:schemeClr val="accent1">
-              <a:shade val="50000"/>
-            </a:schemeClr>
-          </a:lnRef>
-          <a:fillRef idx="1">
-            <a:schemeClr val="accent1"/>
-          </a:fillRef>
-          <a:effectRef idx="0">
-            <a:schemeClr val="accent1"/>
-          </a:effectRef>
-          <a:fontRef idx="minor">
-            <a:schemeClr val="lt1"/>
-          </a:fontRef>
-        </p:style>
-        <p:txBody>
-          <a:bodyPr rtlCol="0" anchor="ctr"/>
-          <a:lstStyle/>
-          <a:p>
-            <a:pPr algn="ctr"/>
-            <a:endParaRPr lang="ru-RU"/>
-          </a:p>
-        </p:txBody>
-      </p:sp>
-      <p:sp>
-        <p:nvSpPr>
-          <p:cNvPr id="13" name="Прямоугольник 12">
-            <a:extLst>
-              <a:ext uri="{FF2B5EF4-FFF2-40B4-BE49-F238E27FC236}">
-                <a16:creationId xmlns:a16="http://schemas.microsoft.com/office/drawing/2014/main" id="{15B65DFB-9D85-CF01-99B3-2D4A680E4CCB}"/>
-              </a:ext>
-            </a:extLst>
-          </p:cNvPr>
-          <p:cNvSpPr/>
-          <p:nvPr/>
-        </p:nvSpPr>
-        <p:spPr>
-          <a:xfrm>
-            <a:off x="3642232" y="4069176"/>
-            <a:ext cx="2559334" cy="275420"/>
-          </a:xfrm>
-          <a:prstGeom prst="rect">
-            <a:avLst/>
-          </a:prstGeom>
-          <a:solidFill>
-            <a:schemeClr val="accent2">
-              <a:lumMod val="40000"/>
-              <a:lumOff val="60000"/>
-              <a:alpha val="32157"/>
-            </a:schemeClr>
-          </a:solidFill>
-          <a:ln>
+            <a:ln>
+              <a:solidFill>
+                <a:srgbClr val="2F528F">
+                  <a:alpha val="40000"/>
+                </a:srgbClr>
+              </a:solidFill>
+            </a:ln>
+          </p:spPr>
+          <p:style>
+            <a:lnRef idx="2">
+              <a:schemeClr val="accent1">
+                <a:shade val="50000"/>
+              </a:schemeClr>
+            </a:lnRef>
+            <a:fillRef idx="1">
+              <a:schemeClr val="accent1"/>
+            </a:fillRef>
+            <a:effectRef idx="0">
+              <a:schemeClr val="accent1"/>
+            </a:effectRef>
+            <a:fontRef idx="minor">
+              <a:schemeClr val="lt1"/>
+            </a:fontRef>
+          </p:style>
+          <p:txBody>
+            <a:bodyPr rtlCol="0" anchor="ctr"/>
+            <a:lstStyle/>
+            <a:p>
+              <a:pPr algn="ctr"/>
+              <a:endParaRPr lang="ru-RU"/>
+            </a:p>
+          </p:txBody>
+        </p:sp>
+        <p:sp>
+          <p:nvSpPr>
+            <p:cNvPr id="13" name="Прямоугольник 12">
+              <a:extLst>
+                <a:ext uri="{FF2B5EF4-FFF2-40B4-BE49-F238E27FC236}">
+                  <a16:creationId xmlns:a16="http://schemas.microsoft.com/office/drawing/2014/main" id="{15B65DFB-9D85-CF01-99B3-2D4A680E4CCB}"/>
+                </a:ext>
+              </a:extLst>
+            </p:cNvPr>
+            <p:cNvSpPr/>
+            <p:nvPr/>
+          </p:nvSpPr>
+          <p:spPr>
+            <a:xfrm>
+              <a:off x="3777983" y="4303545"/>
+              <a:ext cx="2559334" cy="275420"/>
+            </a:xfrm>
+            <a:prstGeom prst="rect">
+              <a:avLst/>
+            </a:prstGeom>
             <a:solidFill>
-              <a:srgbClr val="2F528F">
-                <a:alpha val="40000"/>
-              </a:srgbClr>
+              <a:schemeClr val="accent2">
+                <a:lumMod val="40000"/>
+                <a:lumOff val="60000"/>
+                <a:alpha val="32157"/>
+              </a:schemeClr>
             </a:solidFill>
-          </a:ln>
-        </p:spPr>
-        <p:style>
-          <a:lnRef idx="2">
-            <a:schemeClr val="accent1">
-              <a:shade val="50000"/>
-            </a:schemeClr>
-          </a:lnRef>
-          <a:fillRef idx="1">
-            <a:schemeClr val="accent1"/>
-          </a:fillRef>
-          <a:effectRef idx="0">
-            <a:schemeClr val="accent1"/>
-          </a:effectRef>
-          <a:fontRef idx="minor">
-            <a:schemeClr val="lt1"/>
-          </a:fontRef>
-        </p:style>
-        <p:txBody>
-          <a:bodyPr rtlCol="0" anchor="ctr"/>
-          <a:lstStyle/>
-          <a:p>
-            <a:pPr algn="ctr"/>
-            <a:endParaRPr lang="ru-RU"/>
-          </a:p>
-        </p:txBody>
-      </p:sp>
-      <p:sp>
-        <p:nvSpPr>
-          <p:cNvPr id="14" name="Прямоугольник 13">
-            <a:extLst>
-              <a:ext uri="{FF2B5EF4-FFF2-40B4-BE49-F238E27FC236}">
-                <a16:creationId xmlns:a16="http://schemas.microsoft.com/office/drawing/2014/main" id="{6DA88AC7-0EEF-0596-1FB5-F131BC00AEBC}"/>
-              </a:ext>
-            </a:extLst>
-          </p:cNvPr>
-          <p:cNvSpPr/>
-          <p:nvPr/>
-        </p:nvSpPr>
-        <p:spPr>
-          <a:xfrm>
-            <a:off x="3642232" y="4962605"/>
-            <a:ext cx="2559334" cy="275420"/>
-          </a:xfrm>
-          <a:prstGeom prst="rect">
-            <a:avLst/>
-          </a:prstGeom>
-          <a:solidFill>
-            <a:schemeClr val="accent2">
-              <a:lumMod val="40000"/>
-              <a:lumOff val="60000"/>
-              <a:alpha val="32157"/>
-            </a:schemeClr>
-          </a:solidFill>
-          <a:ln>
+            <a:ln>
+              <a:solidFill>
+                <a:srgbClr val="2F528F">
+                  <a:alpha val="40000"/>
+                </a:srgbClr>
+              </a:solidFill>
+            </a:ln>
+          </p:spPr>
+          <p:style>
+            <a:lnRef idx="2">
+              <a:schemeClr val="accent1">
+                <a:shade val="50000"/>
+              </a:schemeClr>
+            </a:lnRef>
+            <a:fillRef idx="1">
+              <a:schemeClr val="accent1"/>
+            </a:fillRef>
+            <a:effectRef idx="0">
+              <a:schemeClr val="accent1"/>
+            </a:effectRef>
+            <a:fontRef idx="minor">
+              <a:schemeClr val="lt1"/>
+            </a:fontRef>
+          </p:style>
+          <p:txBody>
+            <a:bodyPr rtlCol="0" anchor="ctr"/>
+            <a:lstStyle/>
+            <a:p>
+              <a:pPr algn="ctr"/>
+              <a:endParaRPr lang="ru-RU"/>
+            </a:p>
+          </p:txBody>
+        </p:sp>
+        <p:sp>
+          <p:nvSpPr>
+            <p:cNvPr id="14" name="Прямоугольник 13">
+              <a:extLst>
+                <a:ext uri="{FF2B5EF4-FFF2-40B4-BE49-F238E27FC236}">
+                  <a16:creationId xmlns:a16="http://schemas.microsoft.com/office/drawing/2014/main" id="{6DA88AC7-0EEF-0596-1FB5-F131BC00AEBC}"/>
+                </a:ext>
+              </a:extLst>
+            </p:cNvPr>
+            <p:cNvSpPr/>
+            <p:nvPr/>
+          </p:nvSpPr>
+          <p:spPr>
+            <a:xfrm>
+              <a:off x="3777983" y="5127508"/>
+              <a:ext cx="2559334" cy="275420"/>
+            </a:xfrm>
+            <a:prstGeom prst="rect">
+              <a:avLst/>
+            </a:prstGeom>
             <a:solidFill>
-              <a:srgbClr val="2F528F">
-                <a:alpha val="40000"/>
-              </a:srgbClr>
+              <a:schemeClr val="accent2">
+                <a:lumMod val="40000"/>
+                <a:lumOff val="60000"/>
+                <a:alpha val="32157"/>
+              </a:schemeClr>
             </a:solidFill>
-          </a:ln>
-        </p:spPr>
-        <p:style>
-          <a:lnRef idx="2">
-            <a:schemeClr val="accent1">
-              <a:shade val="50000"/>
-            </a:schemeClr>
-          </a:lnRef>
-          <a:fillRef idx="1">
-            <a:schemeClr val="accent1"/>
-          </a:fillRef>
-          <a:effectRef idx="0">
-            <a:schemeClr val="accent1"/>
-          </a:effectRef>
-          <a:fontRef idx="minor">
-            <a:schemeClr val="lt1"/>
-          </a:fontRef>
-        </p:style>
-        <p:txBody>
-          <a:bodyPr rtlCol="0" anchor="ctr"/>
-          <a:lstStyle/>
-          <a:p>
-            <a:pPr algn="ctr"/>
-            <a:endParaRPr lang="ru-RU"/>
-          </a:p>
-        </p:txBody>
-      </p:sp>
-      <p:sp>
-        <p:nvSpPr>
-          <p:cNvPr id="15" name="Прямоугольник 14">
-            <a:extLst>
-              <a:ext uri="{FF2B5EF4-FFF2-40B4-BE49-F238E27FC236}">
-                <a16:creationId xmlns:a16="http://schemas.microsoft.com/office/drawing/2014/main" id="{D424C9C0-7412-6975-EF1C-426BB1AC4550}"/>
-              </a:ext>
-            </a:extLst>
-          </p:cNvPr>
-          <p:cNvSpPr/>
-          <p:nvPr/>
-        </p:nvSpPr>
-        <p:spPr>
-          <a:xfrm>
-            <a:off x="3642232" y="5904233"/>
-            <a:ext cx="2559334" cy="275420"/>
-          </a:xfrm>
-          <a:prstGeom prst="rect">
-            <a:avLst/>
-          </a:prstGeom>
-          <a:solidFill>
-            <a:schemeClr val="accent2">
-              <a:lumMod val="40000"/>
-              <a:lumOff val="60000"/>
-              <a:alpha val="32157"/>
-            </a:schemeClr>
-          </a:solidFill>
-          <a:ln>
+            <a:ln>
+              <a:solidFill>
+                <a:srgbClr val="2F528F">
+                  <a:alpha val="40000"/>
+                </a:srgbClr>
+              </a:solidFill>
+            </a:ln>
+          </p:spPr>
+          <p:style>
+            <a:lnRef idx="2">
+              <a:schemeClr val="accent1">
+                <a:shade val="50000"/>
+              </a:schemeClr>
+            </a:lnRef>
+            <a:fillRef idx="1">
+              <a:schemeClr val="accent1"/>
+            </a:fillRef>
+            <a:effectRef idx="0">
+              <a:schemeClr val="accent1"/>
+            </a:effectRef>
+            <a:fontRef idx="minor">
+              <a:schemeClr val="lt1"/>
+            </a:fontRef>
+          </p:style>
+          <p:txBody>
+            <a:bodyPr rtlCol="0" anchor="ctr"/>
+            <a:lstStyle/>
+            <a:p>
+              <a:pPr algn="ctr"/>
+              <a:endParaRPr lang="ru-RU"/>
+            </a:p>
+          </p:txBody>
+        </p:sp>
+        <p:sp>
+          <p:nvSpPr>
+            <p:cNvPr id="15" name="Прямоугольник 14">
+              <a:extLst>
+                <a:ext uri="{FF2B5EF4-FFF2-40B4-BE49-F238E27FC236}">
+                  <a16:creationId xmlns:a16="http://schemas.microsoft.com/office/drawing/2014/main" id="{D424C9C0-7412-6975-EF1C-426BB1AC4550}"/>
+                </a:ext>
+              </a:extLst>
+            </p:cNvPr>
+            <p:cNvSpPr/>
+            <p:nvPr/>
+          </p:nvSpPr>
+          <p:spPr>
+            <a:xfrm>
+              <a:off x="3777983" y="5974039"/>
+              <a:ext cx="2559334" cy="275420"/>
+            </a:xfrm>
+            <a:prstGeom prst="rect">
+              <a:avLst/>
+            </a:prstGeom>
             <a:solidFill>
-              <a:srgbClr val="2F528F">
-                <a:alpha val="40000"/>
-              </a:srgbClr>
+              <a:schemeClr val="accent2">
+                <a:lumMod val="40000"/>
+                <a:lumOff val="60000"/>
+                <a:alpha val="32157"/>
+              </a:schemeClr>
             </a:solidFill>
-          </a:ln>
-        </p:spPr>
-        <p:style>
-          <a:lnRef idx="2">
-            <a:schemeClr val="accent1">
-              <a:shade val="50000"/>
-            </a:schemeClr>
-          </a:lnRef>
-          <a:fillRef idx="1">
-            <a:schemeClr val="accent1"/>
-          </a:fillRef>
-          <a:effectRef idx="0">
-            <a:schemeClr val="accent1"/>
-          </a:effectRef>
-          <a:fontRef idx="minor">
-            <a:schemeClr val="lt1"/>
-          </a:fontRef>
-        </p:style>
-        <p:txBody>
-          <a:bodyPr rtlCol="0" anchor="ctr"/>
-          <a:lstStyle/>
-          <a:p>
-            <a:pPr algn="ctr"/>
-            <a:endParaRPr lang="ru-RU"/>
-          </a:p>
-        </p:txBody>
-      </p:sp>
+            <a:ln>
+              <a:solidFill>
+                <a:srgbClr val="2F528F">
+                  <a:alpha val="40000"/>
+                </a:srgbClr>
+              </a:solidFill>
+            </a:ln>
+          </p:spPr>
+          <p:style>
+            <a:lnRef idx="2">
+              <a:schemeClr val="accent1">
+                <a:shade val="50000"/>
+              </a:schemeClr>
+            </a:lnRef>
+            <a:fillRef idx="1">
+              <a:schemeClr val="accent1"/>
+            </a:fillRef>
+            <a:effectRef idx="0">
+              <a:schemeClr val="accent1"/>
+            </a:effectRef>
+            <a:fontRef idx="minor">
+              <a:schemeClr val="lt1"/>
+            </a:fontRef>
+          </p:style>
+          <p:txBody>
+            <a:bodyPr rtlCol="0" anchor="ctr"/>
+            <a:lstStyle/>
+            <a:p>
+              <a:pPr algn="ctr"/>
+              <a:endParaRPr lang="ru-RU"/>
+            </a:p>
+          </p:txBody>
+        </p:sp>
+      </p:grpSp>
       <p:sp>
         <p:nvSpPr>
           <p:cNvPr id="16" name="Прямоугольник 15">
@@ -6325,8 +8028,8 @@
         </p:nvSpPr>
         <p:spPr>
           <a:xfrm>
-            <a:off x="10158291" y="1690688"/>
-            <a:ext cx="1828801" cy="850475"/>
+            <a:off x="10158291" y="2325600"/>
+            <a:ext cx="1828801" cy="215563"/>
           </a:xfrm>
           <a:prstGeom prst="rect">
             <a:avLst/>
@@ -6671,202 +8374,50 @@
           </a:p>
         </p:txBody>
       </p:sp>
+      <p:sp>
+        <p:nvSpPr>
+          <p:cNvPr id="25" name="TextBox 24">
+            <a:extLst>
+              <a:ext uri="{FF2B5EF4-FFF2-40B4-BE49-F238E27FC236}">
+                <a16:creationId xmlns:a16="http://schemas.microsoft.com/office/drawing/2014/main" id="{C85B2C88-14FB-1F09-D5BE-31F8ABE3BA65}"/>
+              </a:ext>
+            </a:extLst>
+          </p:cNvPr>
+          <p:cNvSpPr txBox="1"/>
+          <p:nvPr/>
+        </p:nvSpPr>
+        <p:spPr>
+          <a:xfrm>
+            <a:off x="838200" y="59762"/>
+            <a:ext cx="8223544" cy="461665"/>
+          </a:xfrm>
+          <a:prstGeom prst="rect">
+            <a:avLst/>
+          </a:prstGeom>
+          <a:noFill/>
+        </p:spPr>
+        <p:txBody>
+          <a:bodyPr wrap="square" rtlCol="0">
+            <a:spAutoFit/>
+          </a:bodyPr>
+          <a:lstStyle/>
+          <a:p>
+            <a:r>
+              <a:rPr lang="ru-RU" sz="2400" i="1" dirty="0"/>
+              <a:t>Результаты фреймворка </a:t>
+            </a:r>
+            <a:r>
+              <a:rPr lang="en-US" sz="2400" i="1" dirty="0" err="1"/>
+              <a:t>Fedot</a:t>
+            </a:r>
+            <a:endParaRPr lang="en-US" sz="2400" i="1" dirty="0"/>
+          </a:p>
+        </p:txBody>
+      </p:sp>
     </p:spTree>
     <p:extLst>
       <p:ext uri="{BB962C8B-B14F-4D97-AF65-F5344CB8AC3E}">
         <p14:creationId xmlns:p14="http://schemas.microsoft.com/office/powerpoint/2010/main" val="1155103601"/>
-      </p:ext>
-    </p:extLst>
-  </p:cSld>
-  <p:clrMapOvr>
-    <a:masterClrMapping/>
-  </p:clrMapOvr>
-</p:sld>
-</file>
-
-<file path=ppt/slides/slide9.xml><?xml version="1.0" encoding="utf-8"?>
-<p:sld xmlns:a="http://schemas.openxmlformats.org/drawingml/2006/main" xmlns:r="http://schemas.openxmlformats.org/officeDocument/2006/relationships" xmlns:p="http://schemas.openxmlformats.org/presentationml/2006/main">
-  <p:cSld>
-    <p:spTree>
-      <p:nvGrpSpPr>
-        <p:cNvPr id="1" name=""/>
-        <p:cNvGrpSpPr/>
-        <p:nvPr/>
-      </p:nvGrpSpPr>
-      <p:grpSpPr>
-        <a:xfrm>
-          <a:off x="0" y="0"/>
-          <a:ext cx="0" cy="0"/>
-          <a:chOff x="0" y="0"/>
-          <a:chExt cx="0" cy="0"/>
-        </a:xfrm>
-      </p:grpSpPr>
-      <p:sp>
-        <p:nvSpPr>
-          <p:cNvPr id="2" name="Заголовок 1">
-            <a:extLst>
-              <a:ext uri="{FF2B5EF4-FFF2-40B4-BE49-F238E27FC236}">
-                <a16:creationId xmlns:a16="http://schemas.microsoft.com/office/drawing/2014/main" id="{4E390A06-A993-BC0C-7CB3-B414557E592C}"/>
-              </a:ext>
-            </a:extLst>
-          </p:cNvPr>
-          <p:cNvSpPr>
-            <a:spLocks noGrp="1"/>
-          </p:cNvSpPr>
-          <p:nvPr>
-            <p:ph type="title"/>
-          </p:nvPr>
-        </p:nvSpPr>
-        <p:spPr/>
-        <p:txBody>
-          <a:bodyPr/>
-          <a:lstStyle/>
-          <a:p>
-            <a:r>
-              <a:rPr lang="en-US" dirty="0" err="1"/>
-              <a:t>Fedot</a:t>
-            </a:r>
-            <a:r>
-              <a:rPr lang="en-US" dirty="0"/>
-              <a:t> </a:t>
-            </a:r>
-            <a:r>
-              <a:rPr lang="en-US" dirty="0" err="1"/>
-              <a:t>AutoML</a:t>
-            </a:r>
-            <a:endParaRPr lang="ru-RU" dirty="0"/>
-          </a:p>
-        </p:txBody>
-      </p:sp>
-      <p:sp>
-        <p:nvSpPr>
-          <p:cNvPr id="3" name="Объект 2">
-            <a:extLst>
-              <a:ext uri="{FF2B5EF4-FFF2-40B4-BE49-F238E27FC236}">
-                <a16:creationId xmlns:a16="http://schemas.microsoft.com/office/drawing/2014/main" id="{CDCF61CF-E930-C800-3288-45DA9D716F3E}"/>
-              </a:ext>
-            </a:extLst>
-          </p:cNvPr>
-          <p:cNvSpPr>
-            <a:spLocks noGrp="1"/>
-          </p:cNvSpPr>
-          <p:nvPr>
-            <p:ph idx="1"/>
-          </p:nvPr>
-        </p:nvSpPr>
-        <p:spPr/>
-        <p:txBody>
-          <a:bodyPr/>
-          <a:lstStyle/>
-          <a:p>
-            <a:r>
-              <a:rPr lang="ru-RU" dirty="0"/>
-              <a:t>Было создано 52 </a:t>
-            </a:r>
-            <a:r>
-              <a:rPr lang="ru-RU" dirty="0" err="1"/>
-              <a:t>пайплайна</a:t>
-            </a:r>
-            <a:r>
-              <a:rPr lang="ru-RU" dirty="0"/>
-              <a:t> для всех параметров и размеров окон данных для прогнозирования. </a:t>
-            </a:r>
-            <a:r>
-              <a:rPr lang="ru-RU" dirty="0" err="1"/>
-              <a:t>Пайплайны</a:t>
-            </a:r>
-            <a:r>
-              <a:rPr lang="ru-RU" dirty="0"/>
-              <a:t> сохранены в директориях </a:t>
-            </a:r>
-            <a:r>
-              <a:rPr lang="en-US" dirty="0" err="1"/>
-              <a:t>fedot_w</a:t>
-            </a:r>
-            <a:r>
-              <a:rPr lang="en-US" dirty="0"/>
-              <a:t>{</a:t>
-            </a:r>
-            <a:r>
-              <a:rPr lang="ru-RU" dirty="0"/>
-              <a:t>длина окна</a:t>
-            </a:r>
-            <a:r>
-              <a:rPr lang="en-US" dirty="0"/>
-              <a:t>}</a:t>
-            </a:r>
-            <a:r>
-              <a:rPr lang="ru-RU" dirty="0"/>
-              <a:t> и могут быть загружены с помощью </a:t>
-            </a:r>
-            <a:r>
-              <a:rPr lang="en-US" i="1" dirty="0" err="1"/>
-              <a:t>model.load</a:t>
-            </a:r>
-            <a:r>
-              <a:rPr lang="en-US" i="1" dirty="0"/>
-              <a:t>(“</a:t>
-            </a:r>
-            <a:r>
-              <a:rPr lang="en-US" i="1" dirty="0" err="1"/>
-              <a:t>fedot_w</a:t>
-            </a:r>
-            <a:r>
-              <a:rPr lang="en-US" i="1" dirty="0"/>
-              <a:t>{3}/</a:t>
-            </a:r>
-            <a:r>
-              <a:rPr lang="en-US" i="1" dirty="0" err="1"/>
-              <a:t>fedot_regression_param</a:t>
-            </a:r>
-            <a:r>
-              <a:rPr lang="en-US" i="1" dirty="0"/>
-              <a:t>_{</a:t>
-            </a:r>
-            <a:r>
-              <a:rPr lang="ru-RU" i="1" dirty="0"/>
-              <a:t>номер параметра</a:t>
-            </a:r>
-            <a:r>
-              <a:rPr lang="en-US" i="1" dirty="0"/>
-              <a:t>}.</a:t>
-            </a:r>
-            <a:r>
-              <a:rPr lang="en-US" i="1" dirty="0" err="1"/>
-              <a:t>json</a:t>
-            </a:r>
-            <a:r>
-              <a:rPr lang="en-US" i="1" dirty="0"/>
-              <a:t>”)</a:t>
-            </a:r>
-          </a:p>
-          <a:p>
-            <a:r>
-              <a:rPr lang="ru-RU" dirty="0"/>
-              <a:t>Результаты моделей на </a:t>
-            </a:r>
-            <a:r>
-              <a:rPr lang="ru-RU"/>
-              <a:t>тестовой выборке превосходят </a:t>
-            </a:r>
-            <a:r>
-              <a:rPr lang="ru-RU" dirty="0"/>
-              <a:t>результаты нейросетей почти по всем параметрам. </a:t>
-            </a:r>
-            <a:endParaRPr lang="en-US" dirty="0"/>
-          </a:p>
-          <a:p>
-            <a:endParaRPr lang="ru-RU" dirty="0"/>
-          </a:p>
-          <a:p>
-            <a:endParaRPr lang="ru-RU" dirty="0"/>
-          </a:p>
-        </p:txBody>
-      </p:sp>
-    </p:spTree>
-    <p:extLst>
-      <p:ext uri="{BB962C8B-B14F-4D97-AF65-F5344CB8AC3E}">
-        <p14:creationId xmlns:p14="http://schemas.microsoft.com/office/powerpoint/2010/main" val="33251273"/>
       </p:ext>
     </p:extLst>
   </p:cSld>

--- a/docs/Отчет по НИР December.pptx
+++ b/docs/Отчет по НИР December.pptx
@@ -606,7 +606,7 @@
           <a:p>
             <a:fld id="{DF34ED0C-7784-4944-8E97-E2464C1A9B6A}" type="datetimeFigureOut">
               <a:rPr lang="ru-RU" smtClean="0"/>
-              <a:t>13.12.2022</a:t>
+              <a:t>14.01.2023</a:t>
             </a:fld>
             <a:endParaRPr lang="ru-RU"/>
           </a:p>
@@ -804,7 +804,7 @@
           <a:p>
             <a:fld id="{DF34ED0C-7784-4944-8E97-E2464C1A9B6A}" type="datetimeFigureOut">
               <a:rPr lang="ru-RU" smtClean="0"/>
-              <a:t>13.12.2022</a:t>
+              <a:t>14.01.2023</a:t>
             </a:fld>
             <a:endParaRPr lang="ru-RU"/>
           </a:p>
@@ -1012,7 +1012,7 @@
           <a:p>
             <a:fld id="{DF34ED0C-7784-4944-8E97-E2464C1A9B6A}" type="datetimeFigureOut">
               <a:rPr lang="ru-RU" smtClean="0"/>
-              <a:t>13.12.2022</a:t>
+              <a:t>14.01.2023</a:t>
             </a:fld>
             <a:endParaRPr lang="ru-RU"/>
           </a:p>
@@ -1210,7 +1210,7 @@
           <a:p>
             <a:fld id="{DF34ED0C-7784-4944-8E97-E2464C1A9B6A}" type="datetimeFigureOut">
               <a:rPr lang="ru-RU" smtClean="0"/>
-              <a:t>13.12.2022</a:t>
+              <a:t>14.01.2023</a:t>
             </a:fld>
             <a:endParaRPr lang="ru-RU"/>
           </a:p>
@@ -1485,7 +1485,7 @@
           <a:p>
             <a:fld id="{DF34ED0C-7784-4944-8E97-E2464C1A9B6A}" type="datetimeFigureOut">
               <a:rPr lang="ru-RU" smtClean="0"/>
-              <a:t>13.12.2022</a:t>
+              <a:t>14.01.2023</a:t>
             </a:fld>
             <a:endParaRPr lang="ru-RU"/>
           </a:p>
@@ -1750,7 +1750,7 @@
           <a:p>
             <a:fld id="{DF34ED0C-7784-4944-8E97-E2464C1A9B6A}" type="datetimeFigureOut">
               <a:rPr lang="ru-RU" smtClean="0"/>
-              <a:t>13.12.2022</a:t>
+              <a:t>14.01.2023</a:t>
             </a:fld>
             <a:endParaRPr lang="ru-RU"/>
           </a:p>
@@ -2162,7 +2162,7 @@
           <a:p>
             <a:fld id="{DF34ED0C-7784-4944-8E97-E2464C1A9B6A}" type="datetimeFigureOut">
               <a:rPr lang="ru-RU" smtClean="0"/>
-              <a:t>13.12.2022</a:t>
+              <a:t>14.01.2023</a:t>
             </a:fld>
             <a:endParaRPr lang="ru-RU"/>
           </a:p>
@@ -2303,7 +2303,7 @@
           <a:p>
             <a:fld id="{DF34ED0C-7784-4944-8E97-E2464C1A9B6A}" type="datetimeFigureOut">
               <a:rPr lang="ru-RU" smtClean="0"/>
-              <a:t>13.12.2022</a:t>
+              <a:t>14.01.2023</a:t>
             </a:fld>
             <a:endParaRPr lang="ru-RU"/>
           </a:p>
@@ -2416,7 +2416,7 @@
           <a:p>
             <a:fld id="{DF34ED0C-7784-4944-8E97-E2464C1A9B6A}" type="datetimeFigureOut">
               <a:rPr lang="ru-RU" smtClean="0"/>
-              <a:t>13.12.2022</a:t>
+              <a:t>14.01.2023</a:t>
             </a:fld>
             <a:endParaRPr lang="ru-RU"/>
           </a:p>
@@ -2727,7 +2727,7 @@
           <a:p>
             <a:fld id="{DF34ED0C-7784-4944-8E97-E2464C1A9B6A}" type="datetimeFigureOut">
               <a:rPr lang="ru-RU" smtClean="0"/>
-              <a:t>13.12.2022</a:t>
+              <a:t>14.01.2023</a:t>
             </a:fld>
             <a:endParaRPr lang="ru-RU"/>
           </a:p>
@@ -3015,7 +3015,7 @@
           <a:p>
             <a:fld id="{DF34ED0C-7784-4944-8E97-E2464C1A9B6A}" type="datetimeFigureOut">
               <a:rPr lang="ru-RU" smtClean="0"/>
-              <a:t>13.12.2022</a:t>
+              <a:t>14.01.2023</a:t>
             </a:fld>
             <a:endParaRPr lang="ru-RU"/>
           </a:p>
@@ -3256,7 +3256,7 @@
           <a:p>
             <a:fld id="{DF34ED0C-7784-4944-8E97-E2464C1A9B6A}" type="datetimeFigureOut">
               <a:rPr lang="ru-RU" smtClean="0"/>
-              <a:t>13.12.2022</a:t>
+              <a:t>14.01.2023</a:t>
             </a:fld>
             <a:endParaRPr lang="ru-RU"/>
           </a:p>
@@ -3829,7 +3829,7 @@
             </a:extLst>
           </p:cNvPr>
           <p:cNvPicPr>
-            <a:picLocks noGrp="1" noChangeAspect="1"/>
+            <a:picLocks noGrp="1" noRot="1" noChangeAspect="1" noMove="1" noResize="1" noEditPoints="1" noAdjustHandles="1" noChangeArrowheads="1" noChangeShapeType="1" noCrop="1"/>
           </p:cNvPicPr>
           <p:nvPr>
             <p:ph idx="1"/>
@@ -3862,7 +3862,9 @@
               </a:ext>
             </a:extLst>
           </p:cNvPr>
-          <p:cNvSpPr txBox="1"/>
+          <p:cNvSpPr txBox="1">
+            <a:spLocks noGrp="1" noRot="1" noMove="1" noResize="1" noEditPoints="1" noAdjustHandles="1" noChangeArrowheads="1" noChangeShapeType="1"/>
+          </p:cNvSpPr>
           <p:nvPr/>
         </p:nvSpPr>
         <p:spPr>
@@ -3913,7 +3915,7 @@
             </a:extLst>
           </p:cNvPr>
           <p:cNvPicPr>
-            <a:picLocks noChangeAspect="1"/>
+            <a:picLocks noGrp="1" noRot="1" noChangeAspect="1" noMove="1" noResize="1" noEditPoints="1" noAdjustHandles="1" noChangeArrowheads="1" noChangeShapeType="1" noCrop="1"/>
           </p:cNvPicPr>
           <p:nvPr/>
         </p:nvPicPr>
@@ -3947,7 +3949,9 @@
               </a:ext>
             </a:extLst>
           </p:cNvPr>
-          <p:cNvSpPr txBox="1"/>
+          <p:cNvSpPr txBox="1">
+            <a:spLocks noGrp="1" noRot="1" noMove="1" noResize="1" noEditPoints="1" noAdjustHandles="1" noChangeArrowheads="1" noChangeShapeType="1"/>
+          </p:cNvSpPr>
           <p:nvPr/>
         </p:nvSpPr>
         <p:spPr>
@@ -3995,7 +3999,7 @@
             </a:extLst>
           </p:cNvPr>
           <p:cNvPicPr>
-            <a:picLocks noChangeAspect="1"/>
+            <a:picLocks noGrp="1" noRot="1" noChangeAspect="1" noMove="1" noResize="1" noEditPoints="1" noAdjustHandles="1" noChangeArrowheads="1" noChangeShapeType="1" noCrop="1"/>
           </p:cNvPicPr>
           <p:nvPr/>
         </p:nvPicPr>
@@ -4030,7 +4034,9 @@
               </a:ext>
             </a:extLst>
           </p:cNvPr>
-          <p:cNvSpPr txBox="1"/>
+          <p:cNvSpPr txBox="1">
+            <a:spLocks noGrp="1" noRot="1" noMove="1" noResize="1" noEditPoints="1" noAdjustHandles="1" noChangeArrowheads="1" noChangeShapeType="1"/>
+          </p:cNvSpPr>
           <p:nvPr/>
         </p:nvSpPr>
         <p:spPr>
@@ -4079,7 +4085,9 @@
               </a:ext>
             </a:extLst>
           </p:cNvPr>
-          <p:cNvSpPr txBox="1"/>
+          <p:cNvSpPr txBox="1">
+            <a:spLocks noGrp="1" noRot="1" noMove="1" noResize="1" noEditPoints="1" noAdjustHandles="1" noChangeArrowheads="1" noChangeShapeType="1"/>
+          </p:cNvSpPr>
           <p:nvPr/>
         </p:nvSpPr>
         <p:spPr>
@@ -4145,7 +4153,7 @@
             </a:extLst>
           </p:cNvPr>
           <p:cNvPicPr>
-            <a:picLocks noChangeAspect="1"/>
+            <a:picLocks noGrp="1" noRot="1" noChangeAspect="1" noMove="1" noResize="1" noEditPoints="1" noAdjustHandles="1" noChangeArrowheads="1" noChangeShapeType="1" noCrop="1"/>
           </p:cNvPicPr>
           <p:nvPr/>
         </p:nvPicPr>
@@ -4179,7 +4187,9 @@
               </a:ext>
             </a:extLst>
           </p:cNvPr>
-          <p:cNvSpPr txBox="1"/>
+          <p:cNvSpPr txBox="1">
+            <a:spLocks noGrp="1" noRot="1" noMove="1" noResize="1" noEditPoints="1" noAdjustHandles="1" noChangeArrowheads="1" noChangeShapeType="1"/>
+          </p:cNvSpPr>
           <p:nvPr/>
         </p:nvSpPr>
         <p:spPr>
